--- a/podcast.odp.pptx
+++ b/podcast.odp.pptx
@@ -6014,11 +6014,20 @@
                 <a:spcPts val="0"/>
               </a:spcAft>
               <a:buSzPct val="45000"/>
-              <a:buFont typeface="StarSymbol"/>
-              <a:buChar char="●"/>
               <a:tabLst/>
             </a:pPr>
             <a:r>
+              <a:rPr lang="fr-FR" sz="1800" b="0" i="0" u="none" strike="noStrike" kern="1200" dirty="0" smtClean="0">
+                <a:ln>
+                  <a:noFill/>
+                </a:ln>
+                <a:latin typeface="Arial" pitchFamily="18"/>
+                <a:ea typeface="微软雅黑" pitchFamily="2"/>
+                <a:cs typeface="Lucida Sans" pitchFamily="2"/>
+              </a:rPr>
+              <a:t>En </a:t>
+            </a:r>
+            <a:r>
               <a:rPr lang="fr-FR" sz="1800" b="0" i="0" u="none" strike="noStrike" kern="1200" dirty="0">
                 <a:ln>
                   <a:noFill/>
@@ -6027,8 +6036,60 @@
                 <a:ea typeface="微软雅黑" pitchFamily="2"/>
                 <a:cs typeface="Lucida Sans" pitchFamily="2"/>
               </a:rPr>
-              <a:t>La vitesse radiale de l'étoile peut être mesurée avec précision par l'intermédiaire de spectre.</a:t>
-            </a:r>
+              <a:t>comparant avec les longueurs d'onde du </a:t>
+            </a:r>
+            <a:r>
+              <a:rPr lang="fr-FR" sz="1800" b="0" i="0" u="none" strike="noStrike" kern="1200" dirty="0" smtClean="0">
+                <a:ln>
+                  <a:noFill/>
+                </a:ln>
+                <a:latin typeface="Arial" pitchFamily="18"/>
+                <a:ea typeface="微软雅黑" pitchFamily="2"/>
+                <a:cs typeface="Lucida Sans" pitchFamily="2"/>
+              </a:rPr>
+              <a:t>laboratoire , et par </a:t>
+            </a:r>
+            <a:r>
+              <a:rPr lang="fr-FR" sz="1800" b="0" i="0" u="none" strike="noStrike" kern="1200" dirty="0">
+                <a:ln>
+                  <a:noFill/>
+                </a:ln>
+                <a:latin typeface="Arial" pitchFamily="18"/>
+                <a:ea typeface="微软雅黑" pitchFamily="2"/>
+                <a:cs typeface="Lucida Sans" pitchFamily="2"/>
+              </a:rPr>
+              <a:t>convention </a:t>
+            </a:r>
+            <a:r>
+              <a:rPr lang="fr-FR" sz="1800" b="0" i="0" u="none" strike="noStrike" kern="1200" dirty="0" smtClean="0">
+                <a:ln>
+                  <a:noFill/>
+                </a:ln>
+                <a:latin typeface="Arial" pitchFamily="18"/>
+                <a:ea typeface="微软雅黑" pitchFamily="2"/>
+                <a:cs typeface="Lucida Sans" pitchFamily="2"/>
+              </a:rPr>
+              <a:t>,une </a:t>
+            </a:r>
+            <a:r>
+              <a:rPr lang="fr-FR" sz="1800" b="0" i="0" u="none" strike="noStrike" kern="1200" dirty="0">
+                <a:ln>
+                  <a:noFill/>
+                </a:ln>
+                <a:latin typeface="Arial" pitchFamily="18"/>
+                <a:ea typeface="微软雅黑" pitchFamily="2"/>
+                <a:cs typeface="Lucida Sans" pitchFamily="2"/>
+              </a:rPr>
+              <a:t>vitesse radiale </a:t>
+            </a:r>
+            <a:endParaRPr lang="fr-FR" sz="1800" b="0" i="0" u="none" strike="noStrike" kern="1200" dirty="0" smtClean="0">
+              <a:ln>
+                <a:noFill/>
+              </a:ln>
+              <a:latin typeface="Arial" pitchFamily="18"/>
+              <a:ea typeface="微软雅黑" pitchFamily="2"/>
+              <a:cs typeface="Lucida Sans" pitchFamily="2"/>
+            </a:endParaRPr>
           </a:p>
           <a:p>
             <a:pPr marL="0" marR="0" lvl="0" indent="0" rtl="0" hangingPunct="0">
@@ -6042,11 +6103,20 @@
                 <a:spcPts val="0"/>
               </a:spcAft>
               <a:buSzPct val="45000"/>
-              <a:buFont typeface="StarSymbol"/>
-              <a:buChar char="●"/>
               <a:tabLst/>
             </a:pPr>
             <a:r>
+              <a:rPr lang="fr-FR" sz="1800" b="0" i="0" u="none" strike="noStrike" kern="1200" dirty="0" smtClean="0">
+                <a:ln>
+                  <a:noFill/>
+                </a:ln>
+                <a:latin typeface="Arial" pitchFamily="18"/>
+                <a:ea typeface="微软雅黑" pitchFamily="2"/>
+                <a:cs typeface="Lucida Sans" pitchFamily="2"/>
+              </a:rPr>
+              <a:t>positive </a:t>
+            </a:r>
+            <a:r>
               <a:rPr lang="fr-FR" sz="1800" b="0" i="0" u="none" strike="noStrike" kern="1200" dirty="0">
                 <a:ln>
                   <a:noFill/>
@@ -6055,10 +6125,10 @@
                 <a:ea typeface="微软雅黑" pitchFamily="2"/>
                 <a:cs typeface="Lucida Sans" pitchFamily="2"/>
               </a:rPr>
-              <a:t>En comparant avec les longueurs d'onde du </a:t>
-            </a:r>
-            <a:r>
-              <a:rPr lang="fr-FR" sz="1800" b="0" i="0" u="none" strike="noStrike" kern="1200" dirty="0" err="1">
+              <a:t>signifie que l'étoile s'éloigne, si elle est </a:t>
+            </a:r>
+            <a:r>
+              <a:rPr lang="fr-FR" sz="1800" b="0" i="0" u="none" strike="noStrike" kern="1200" dirty="0" smtClean="0">
                 <a:ln>
                   <a:noFill/>
                 </a:ln>
@@ -6066,7 +6136,7 @@
                 <a:ea typeface="微软雅黑" pitchFamily="2"/>
                 <a:cs typeface="Lucida Sans" pitchFamily="2"/>
               </a:rPr>
-              <a:t>laboratoire,par</a:t>
+              <a:t>négative , alors </a:t>
             </a:r>
             <a:r>
               <a:rPr lang="fr-FR" sz="1800" b="0" i="0" u="none" strike="noStrike" kern="1200" dirty="0">
@@ -6077,77 +6147,7 @@
                 <a:ea typeface="微软雅黑" pitchFamily="2"/>
                 <a:cs typeface="Lucida Sans" pitchFamily="2"/>
               </a:rPr>
-              <a:t> convention </a:t>
-            </a:r>
-            <a:r>
-              <a:rPr lang="fr-FR" sz="1800" b="0" i="0" u="none" strike="noStrike" kern="1200" dirty="0" smtClean="0">
-                <a:ln>
-                  <a:noFill/>
-                </a:ln>
-                <a:latin typeface="Arial" pitchFamily="18"/>
-                <a:ea typeface="微软雅黑" pitchFamily="2"/>
-                <a:cs typeface="Lucida Sans" pitchFamily="2"/>
-              </a:rPr>
-              <a:t>,</a:t>
-            </a:r>
-          </a:p>
-          <a:p>
-            <a:pPr marL="0" marR="0" lvl="0" indent="0" rtl="0" hangingPunct="0">
-              <a:lnSpc>
-                <a:spcPct val="100000"/>
-              </a:lnSpc>
-              <a:spcBef>
-                <a:spcPts val="0"/>
-              </a:spcBef>
-              <a:spcAft>
-                <a:spcPts val="0"/>
-              </a:spcAft>
-              <a:buSzPct val="45000"/>
-              <a:tabLst/>
-            </a:pPr>
-            <a:r>
-              <a:rPr lang="fr-FR" sz="1800" b="0" i="0" u="none" strike="noStrike" kern="1200" dirty="0" smtClean="0">
-                <a:ln>
-                  <a:noFill/>
-                </a:ln>
-                <a:latin typeface="Arial" pitchFamily="18"/>
-                <a:ea typeface="微软雅黑" pitchFamily="2"/>
-                <a:cs typeface="Lucida Sans" pitchFamily="2"/>
-              </a:rPr>
-              <a:t> </a:t>
-            </a:r>
-            <a:r>
-              <a:rPr lang="fr-FR" sz="1800" b="0" i="0" u="none" strike="noStrike" kern="1200" dirty="0">
-                <a:ln>
-                  <a:noFill/>
-                </a:ln>
-                <a:latin typeface="Arial" pitchFamily="18"/>
-                <a:ea typeface="微软雅黑" pitchFamily="2"/>
-                <a:cs typeface="Lucida Sans" pitchFamily="2"/>
-              </a:rPr>
-              <a:t>une vitesse radiale positive signifie que l'étoile s'éloigne, si elle est </a:t>
-            </a:r>
-            <a:r>
-              <a:rPr lang="fr-FR" sz="1800" b="0" i="0" u="none" strike="noStrike" kern="1200" dirty="0" err="1">
-                <a:ln>
-                  <a:noFill/>
-                </a:ln>
-                <a:latin typeface="Arial" pitchFamily="18"/>
-                <a:ea typeface="微软雅黑" pitchFamily="2"/>
-                <a:cs typeface="Lucida Sans" pitchFamily="2"/>
-              </a:rPr>
-              <a:t>négative,alors</a:t>
-            </a:r>
-            <a:r>
-              <a:rPr lang="fr-FR" sz="1800" b="0" i="0" u="none" strike="noStrike" kern="1200" dirty="0">
-                <a:ln>
-                  <a:noFill/>
-                </a:ln>
-                <a:latin typeface="Arial" pitchFamily="18"/>
-                <a:ea typeface="微软雅黑" pitchFamily="2"/>
-                <a:cs typeface="Lucida Sans" pitchFamily="2"/>
-              </a:rPr>
-              <a:t> l'étoile se rapproche.</a:t>
+              <a:t>l'étoile se rapproche.</a:t>
             </a:r>
           </a:p>
           <a:p>
@@ -6839,18 +6839,46 @@
             </a:lvl9pPr>
           </a:lstStyle>
           <a:p>
+            <a:r>
+              <a:rPr lang="fr-FR" dirty="0"/>
+              <a:t>la période orbitale de cette </a:t>
+            </a:r>
+            <a:r>
+              <a:rPr lang="fr-FR" dirty="0" err="1" smtClean="0"/>
+              <a:t>exoplanète</a:t>
+            </a:r>
+            <a:endParaRPr lang="fr-FR" dirty="0" smtClean="0"/>
+          </a:p>
+          <a:p>
             <a:pPr lvl="0"/>
             <a:r>
-              <a:rPr lang="fr-FR"/>
-              <a:t>Estimer la distance d'une exoplanète par rapport à son étoile grâce au décalage des raies</a:t>
+              <a:rPr lang="fr-FR" dirty="0" smtClean="0"/>
+              <a:t>la </a:t>
+            </a:r>
+            <a:r>
+              <a:rPr lang="fr-FR" dirty="0"/>
+              <a:t>distance séparant la planète de </a:t>
+            </a:r>
+            <a:r>
+              <a:rPr lang="fr-FR" dirty="0" smtClean="0"/>
+              <a:t>l'étoile</a:t>
             </a:r>
           </a:p>
           <a:p>
             <a:pPr lvl="0"/>
             <a:r>
-              <a:rPr lang="fr-FR"/>
-              <a:t>Connaître la période orbitale de cette exoplanète</a:t>
-            </a:r>
+              <a:rPr lang="fr-FR" dirty="0" smtClean="0"/>
+              <a:t>La vitesse de la planète</a:t>
+            </a:r>
+            <a:endParaRPr lang="fr-FR" dirty="0"/>
+          </a:p>
+          <a:p>
+            <a:pPr lvl="0"/>
+            <a:r>
+              <a:rPr lang="fr-FR" dirty="0" smtClean="0"/>
+              <a:t>La masse de la planète</a:t>
+            </a:r>
+            <a:endParaRPr lang="fr-FR" dirty="0"/>
           </a:p>
         </p:txBody>
       </p:sp>
@@ -6960,7 +6988,11 @@
             </a:lvl9pPr>
           </a:lstStyle>
           <a:p>
-            <a:endParaRPr lang="fr-FR"/>
+            <a:r>
+              <a:rPr lang="fr-FR" dirty="0" smtClean="0"/>
+              <a:t>Les intérêts de cette méthode.</a:t>
+            </a:r>
+            <a:endParaRPr lang="fr-FR" dirty="0"/>
           </a:p>
         </p:txBody>
       </p:sp>
@@ -7170,47 +7202,30 @@
             </a:lvl9pPr>
           </a:lstStyle>
           <a:p>
-            <a:pPr lvl="0"/>
+            <a:pPr marL="108000" lvl="0" indent="0">
+              <a:buNone/>
+            </a:pPr>
+            <a:r>
+              <a:rPr lang="fr-FR" dirty="0" smtClean="0"/>
+              <a:t>Grâce au spectre de l’étoile ,on peut connaître la période de la planète et en déduire la distance séparant la planète de l’étoile en utilisant la </a:t>
+            </a:r>
             <a:r>
               <a:rPr lang="fr-FR" dirty="0"/>
-              <a:t>Le principal intérêt </a:t>
+              <a:t>troisième loi de Kepler </a:t>
             </a:r>
             <a:r>
               <a:rPr lang="fr-FR" dirty="0" smtClean="0"/>
-              <a:t>de la méthode des vitesses radiales est </a:t>
+              <a:t>et d’avoir la vitesse de la planète en </a:t>
             </a:r>
             <a:r>
               <a:rPr lang="fr-FR" dirty="0"/>
-              <a:t>que grâce au graphique du décalage des raies on peut estimer la distance </a:t>
+              <a:t>utilisant la loi de Newton sur la </a:t>
             </a:r>
             <a:r>
               <a:rPr lang="fr-FR" dirty="0" smtClean="0"/>
-              <a:t>de </a:t>
-            </a:r>
-            <a:r>
-              <a:rPr lang="fr-FR" dirty="0"/>
-              <a:t>la planète par rapport à son étoile ,en effet plus le décalage est grande plus la distance entre l'étoile et planète est petite .De plus  on peut connaître la période orbitale de cette </a:t>
-            </a:r>
-            <a:r>
-              <a:rPr lang="fr-FR" dirty="0" err="1"/>
-              <a:t>exoplanète</a:t>
-            </a:r>
-            <a:r>
-              <a:rPr lang="fr-FR" dirty="0"/>
-              <a:t> </a:t>
-            </a:r>
-            <a:r>
-              <a:rPr lang="fr-FR" dirty="0" smtClean="0"/>
-              <a:t>si</a:t>
-            </a:r>
-            <a:r>
-              <a:rPr lang="fr-FR" dirty="0" smtClean="0"/>
-              <a:t> </a:t>
-            </a:r>
-            <a:r>
-              <a:rPr lang="fr-FR" dirty="0"/>
-              <a:t>le décalage des raies est périodique.</a:t>
-            </a:r>
+              <a:t>gravitation . En fin grâce à cette vitesse on peut calculer la masse de la planète.</a:t>
+            </a:r>
+            <a:endParaRPr lang="fr-FR" dirty="0"/>
           </a:p>
         </p:txBody>
       </p:sp>
@@ -7350,8 +7365,8 @@
         </p:blipFill>
         <p:spPr>
           <a:xfrm>
-            <a:off x="871200" y="2027880"/>
-            <a:ext cx="8128799" cy="4452120"/>
+            <a:off x="-25432" y="1619597"/>
+            <a:ext cx="4605000" cy="3744416"/>
           </a:xfrm>
           <a:prstGeom prst="rect">
             <a:avLst/>
@@ -7360,6 +7375,70 @@
           <a:ln>
             <a:noFill/>
           </a:ln>
+        </p:spPr>
+      </p:pic>
+      <p:pic>
+        <p:nvPicPr>
+          <p:cNvPr id="1026" name="Picture 2"/>
+          <p:cNvPicPr>
+            <a:picLocks noChangeAspect="1" noChangeArrowheads="1"/>
+          </p:cNvPicPr>
+          <p:nvPr/>
+        </p:nvPicPr>
+        <p:blipFill>
+          <a:blip r:embed="rId4">
+            <a:extLst>
+              <a:ext uri="{28A0092B-C50C-407E-A947-70E740481C1C}">
+                <a14:useLocalDpi xmlns:a14="http://schemas.microsoft.com/office/drawing/2010/main" val="0"/>
+              </a:ext>
+            </a:extLst>
+          </a:blip>
+          <a:srcRect/>
+          <a:stretch>
+            <a:fillRect/>
+          </a:stretch>
+        </p:blipFill>
+        <p:spPr bwMode="auto">
+          <a:xfrm>
+            <a:off x="4680272" y="1907629"/>
+            <a:ext cx="5134561" cy="4968552"/>
+          </a:xfrm>
+          <a:prstGeom prst="rect">
+            <a:avLst/>
+          </a:prstGeom>
+          <a:noFill/>
+          <a:ln>
+            <a:noFill/>
+          </a:ln>
+          <a:effectLst/>
+          <a:extLst>
+            <a:ext uri="{909E8E84-426E-40DD-AFC4-6F175D3DCCD1}">
+              <a14:hiddenFill xmlns:a14="http://schemas.microsoft.com/office/drawing/2010/main">
+                <a:solidFill>
+                  <a:schemeClr val="accent1"/>
+                </a:solidFill>
+              </a14:hiddenFill>
+            </a:ext>
+            <a:ext uri="{91240B29-F687-4F45-9708-019B960494DF}">
+              <a14:hiddenLine xmlns:a14="http://schemas.microsoft.com/office/drawing/2010/main" w="9525">
+                <a:solidFill>
+                  <a:schemeClr val="tx1"/>
+                </a:solidFill>
+                <a:miter lim="800000"/>
+                <a:headEnd/>
+                <a:tailEnd/>
+              </a14:hiddenLine>
+            </a:ext>
+            <a:ext uri="{AF507438-7753-43E0-B8FC-AC1667EBCBE1}">
+              <a14:hiddenEffects xmlns:a14="http://schemas.microsoft.com/office/drawing/2010/main">
+                <a:effectLst>
+                  <a:outerShdw dist="35921" dir="2700000" algn="ctr" rotWithShape="0">
+                    <a:schemeClr val="bg2"/>
+                  </a:outerShdw>
+                </a:effectLst>
+              </a14:hiddenEffects>
+            </a:ext>
+          </a:extLst>
         </p:spPr>
       </p:pic>
     </p:spTree>
@@ -7847,176 +7926,6 @@
               </a:rPr>
               <a:t>pour être détecté , c’est aussi le cas si la planète est trop loin de son étoile.</a:t>
             </a:r>
-          </a:p>
-        </p:txBody>
-      </p:sp>
-      <p:sp>
-        <p:nvSpPr>
-          <p:cNvPr id="3" name="ZoneTexte 2"/>
-          <p:cNvSpPr txBox="1"/>
-          <p:nvPr/>
-        </p:nvSpPr>
-        <p:spPr>
-          <a:xfrm>
-            <a:off x="143768" y="2987749"/>
-            <a:ext cx="10126440" cy="1449719"/>
-          </a:xfrm>
-          <a:prstGeom prst="rect">
-            <a:avLst/>
-          </a:prstGeom>
-          <a:noFill/>
-          <a:ln>
-            <a:noFill/>
-          </a:ln>
-        </p:spPr>
-        <p:txBody>
-          <a:bodyPr vert="horz" wrap="none" lIns="90000" tIns="45000" rIns="90000" bIns="45000" anchorCtr="0" compatLnSpc="0"/>
-          <a:lstStyle/>
-          <a:p>
-            <a:pPr marL="0" marR="0" lvl="0" indent="0" rtl="0" hangingPunct="0">
-              <a:lnSpc>
-                <a:spcPct val="100000"/>
-              </a:lnSpc>
-              <a:spcBef>
-                <a:spcPts val="0"/>
-              </a:spcBef>
-              <a:spcAft>
-                <a:spcPts val="0"/>
-              </a:spcAft>
-              <a:buNone/>
-              <a:tabLst/>
-            </a:pPr>
-            <a:r>
-              <a:rPr lang="fr-FR" b="0" i="0" u="none" strike="noStrike" kern="1200" dirty="0" smtClean="0">
-                <a:ln>
-                  <a:noFill/>
-                </a:ln>
-                <a:latin typeface="Arial" pitchFamily="18"/>
-                <a:ea typeface="微软雅黑" pitchFamily="2"/>
-                <a:cs typeface="Lucida Sans" pitchFamily="2"/>
-              </a:rPr>
-              <a:t>/*Conclusion</a:t>
-            </a:r>
-            <a:r>
-              <a:rPr lang="fr-FR" b="0" i="0" u="none" strike="noStrike" kern="1200" dirty="0">
-                <a:ln>
-                  <a:noFill/>
-                </a:ln>
-                <a:latin typeface="Arial" pitchFamily="18"/>
-                <a:ea typeface="微软雅黑" pitchFamily="2"/>
-                <a:cs typeface="Lucida Sans" pitchFamily="2"/>
-              </a:rPr>
-              <a:t> :Cette méthode de détection nécessite une très grande stabilité du spectrographe </a:t>
-            </a:r>
-            <a:endParaRPr lang="fr-FR" b="0" i="0" u="none" strike="noStrike" kern="1200" dirty="0" smtClean="0">
-              <a:ln>
-                <a:noFill/>
-              </a:ln>
-              <a:latin typeface="Arial" pitchFamily="18"/>
-              <a:ea typeface="微软雅黑" pitchFamily="2"/>
-              <a:cs typeface="Lucida Sans" pitchFamily="2"/>
-            </a:endParaRPr>
-          </a:p>
-          <a:p>
-            <a:pPr marL="0" marR="0" lvl="0" indent="0" rtl="0" hangingPunct="0">
-              <a:lnSpc>
-                <a:spcPct val="100000"/>
-              </a:lnSpc>
-              <a:spcBef>
-                <a:spcPts val="0"/>
-              </a:spcBef>
-              <a:spcAft>
-                <a:spcPts val="0"/>
-              </a:spcAft>
-              <a:buNone/>
-              <a:tabLst/>
-            </a:pPr>
-            <a:r>
-              <a:rPr lang="fr-FR" b="0" i="0" u="none" strike="noStrike" kern="1200" dirty="0" smtClean="0">
-                <a:ln>
-                  <a:noFill/>
-                </a:ln>
-                <a:latin typeface="Arial" pitchFamily="18"/>
-                <a:ea typeface="微软雅黑" pitchFamily="2"/>
-                <a:cs typeface="Lucida Sans" pitchFamily="2"/>
-              </a:rPr>
-              <a:t>dans </a:t>
-            </a:r>
-            <a:r>
-              <a:rPr lang="fr-FR" b="0" i="0" u="none" strike="noStrike" kern="1200" dirty="0">
-                <a:ln>
-                  <a:noFill/>
-                </a:ln>
-                <a:latin typeface="Arial" pitchFamily="18"/>
-                <a:ea typeface="微软雅黑" pitchFamily="2"/>
-                <a:cs typeface="Lucida Sans" pitchFamily="2"/>
-              </a:rPr>
-              <a:t>le temps ainsi qu'une résolution spectrale assez grande, ce qui ne permet pas de l’utiliser </a:t>
-            </a:r>
-            <a:endParaRPr lang="fr-FR" b="0" i="0" u="none" strike="noStrike" kern="1200" dirty="0" smtClean="0">
-              <a:ln>
-                <a:noFill/>
-              </a:ln>
-              <a:latin typeface="Arial" pitchFamily="18"/>
-              <a:ea typeface="微软雅黑" pitchFamily="2"/>
-              <a:cs typeface="Lucida Sans" pitchFamily="2"/>
-            </a:endParaRPr>
-          </a:p>
-          <a:p>
-            <a:pPr marL="0" marR="0" lvl="0" indent="0" rtl="0" hangingPunct="0">
-              <a:lnSpc>
-                <a:spcPct val="100000"/>
-              </a:lnSpc>
-              <a:spcBef>
-                <a:spcPts val="0"/>
-              </a:spcBef>
-              <a:spcAft>
-                <a:spcPts val="0"/>
-              </a:spcAft>
-              <a:buNone/>
-              <a:tabLst/>
-            </a:pPr>
-            <a:r>
-              <a:rPr lang="fr-FR" b="0" i="0" u="none" strike="noStrike" kern="1200" dirty="0" smtClean="0">
-                <a:ln>
-                  <a:noFill/>
-                </a:ln>
-                <a:latin typeface="Arial" pitchFamily="18"/>
-                <a:ea typeface="微软雅黑" pitchFamily="2"/>
-                <a:cs typeface="Lucida Sans" pitchFamily="2"/>
-              </a:rPr>
-              <a:t>sur </a:t>
-            </a:r>
-            <a:r>
-              <a:rPr lang="fr-FR" b="0" i="0" u="none" strike="noStrike" kern="1200" dirty="0">
-                <a:ln>
-                  <a:noFill/>
-                </a:ln>
-                <a:latin typeface="Arial" pitchFamily="18"/>
-                <a:ea typeface="微软雅黑" pitchFamily="2"/>
-                <a:cs typeface="Lucida Sans" pitchFamily="2"/>
-              </a:rPr>
-              <a:t>des étoile très lumineuse</a:t>
-            </a:r>
-            <a:r>
-              <a:rPr lang="fr-FR" b="0" i="0" u="none" strike="noStrike" kern="1200" dirty="0" smtClean="0">
-                <a:ln>
-                  <a:noFill/>
-                </a:ln>
-                <a:latin typeface="Arial" pitchFamily="18"/>
-                <a:ea typeface="微软雅黑" pitchFamily="2"/>
-                <a:cs typeface="Lucida Sans" pitchFamily="2"/>
-              </a:rPr>
-              <a:t>.*/</a:t>
-            </a:r>
-            <a:endParaRPr lang="fr-FR" b="0" i="0" u="none" strike="noStrike" kern="1200" dirty="0">
-              <a:ln>
-                <a:noFill/>
-              </a:ln>
-              <a:latin typeface="Arial" pitchFamily="18"/>
-              <a:ea typeface="微软雅黑" pitchFamily="2"/>
-              <a:cs typeface="Lucida Sans" pitchFamily="2"/>
-            </a:endParaRPr>
           </a:p>
         </p:txBody>
       </p:sp>
@@ -9091,51 +9000,19 @@
             <a:pPr lvl="0"/>
             <a:r>
               <a:rPr lang="fr-FR" sz="1800" dirty="0" smtClean="0"/>
-              <a:t>/*Jusqu’à présente ,i</a:t>
+              <a:t>D'</a:t>
+            </a:r>
+            <a:r>
+              <a:rPr lang="fr-FR" sz="1800" dirty="0" err="1" smtClean="0"/>
+              <a:t>abords,on</a:t>
             </a:r>
             <a:r>
               <a:rPr lang="fr-FR" sz="1800" dirty="0" smtClean="0"/>
-              <a:t>l </a:t>
+              <a:t> </a:t>
             </a:r>
             <a:r>
               <a:rPr lang="fr-FR" sz="1800" dirty="0"/>
-              <a:t>existe plusieurs méthode de détection d'une </a:t>
-            </a:r>
-            <a:r>
-              <a:rPr lang="fr-FR" sz="1800" dirty="0" err="1"/>
-              <a:t>exoplanète,nous</a:t>
-            </a:r>
-            <a:r>
-              <a:rPr lang="fr-FR" sz="1800" dirty="0"/>
-              <a:t> allons étudier ici deux de ses </a:t>
-            </a:r>
-            <a:r>
-              <a:rPr lang="fr-FR" sz="1800" dirty="0" err="1"/>
-              <a:t>méthodes,c'est</a:t>
-            </a:r>
-            <a:r>
-              <a:rPr lang="fr-FR" sz="1800" dirty="0"/>
-              <a:t> à dire méthode des vitesses radiales et méthode transit</a:t>
-            </a:r>
-            <a:r>
-              <a:rPr lang="fr-FR" sz="1800" dirty="0" smtClean="0"/>
-              <a:t>.*/</a:t>
-            </a:r>
-            <a:endParaRPr lang="fr-FR" sz="1800" dirty="0"/>
-          </a:p>
-          <a:p>
-            <a:pPr lvl="0"/>
-            <a:r>
-              <a:rPr lang="fr-FR" sz="1800" dirty="0"/>
-              <a:t>D'</a:t>
-            </a:r>
-            <a:r>
-              <a:rPr lang="fr-FR" sz="1800" dirty="0" err="1"/>
-              <a:t>abords,on</a:t>
-            </a:r>
-            <a:r>
-              <a:rPr lang="fr-FR" sz="1800" dirty="0"/>
-              <a:t> sait que l'observation directe d'une </a:t>
+              <a:t>sait que l'observation directe d'une </a:t>
             </a:r>
             <a:r>
               <a:rPr lang="fr-FR" sz="1800" dirty="0" err="1"/>
@@ -9181,34 +9058,6 @@
           <a:p>
             <a:pPr lvl="0"/>
             <a:r>
-              <a:rPr lang="fr-FR" sz="1800" dirty="0" smtClean="0"/>
-              <a:t>/*</a:t>
-            </a:r>
-            <a:r>
-              <a:rPr lang="fr-FR" sz="1800" dirty="0" smtClean="0"/>
-              <a:t>Malgré </a:t>
-            </a:r>
-            <a:r>
-              <a:rPr lang="fr-FR" sz="1800" dirty="0"/>
-              <a:t>tous ,des millier d'</a:t>
-            </a:r>
-            <a:r>
-              <a:rPr lang="fr-FR" sz="1800" dirty="0" err="1"/>
-              <a:t>exoplanètes</a:t>
-            </a:r>
-            <a:r>
-              <a:rPr lang="fr-FR" sz="1800" dirty="0"/>
-              <a:t> a pu être détecté par diverses méthodes comme la méthode des vitesses radiales qui utilise l'effet DOPPLER</a:t>
-            </a:r>
-            <a:r>
-              <a:rPr lang="fr-FR" sz="1800" dirty="0" smtClean="0"/>
-              <a:t>.*/</a:t>
-            </a:r>
-            <a:endParaRPr lang="fr-FR" sz="1800" dirty="0"/>
-          </a:p>
-          <a:p>
-            <a:pPr lvl="0"/>
-            <a:r>
               <a:rPr lang="fr-FR" sz="1800" dirty="0" err="1" smtClean="0"/>
               <a:t>Mais</a:t>
             </a:r>
@@ -9249,31 +9098,8 @@
               <a:t>exoplanète</a:t>
             </a:r>
             <a:r>
-              <a:rPr lang="fr-FR" sz="1800" dirty="0"/>
+              <a:rPr lang="fr-FR" sz="1800" dirty="0" smtClean="0"/>
               <a:t>}.</a:t>
-            </a:r>
-          </a:p>
-          <a:p>
-            <a:pPr lvl="0"/>
-            <a:r>
-              <a:rPr lang="fr-FR" sz="1800" dirty="0" smtClean="0"/>
-              <a:t>/*Cet </a:t>
-            </a:r>
-            <a:r>
-              <a:rPr lang="fr-FR" sz="1800" dirty="0"/>
-              <a:t>effet est détectable à l'aide de la spectroscopie grâce à l'effet </a:t>
-            </a:r>
-            <a:r>
-              <a:rPr lang="fr-FR" sz="1800" dirty="0" err="1"/>
-              <a:t>Doppler-Fizeau,en</a:t>
-            </a:r>
-            <a:r>
-              <a:rPr lang="fr-FR" sz="1800" dirty="0"/>
-              <a:t> étudiant le spectre de l'étoile</a:t>
-            </a:r>
-            <a:r>
-              <a:rPr lang="fr-FR" sz="1800" dirty="0" smtClean="0"/>
-              <a:t>.*/</a:t>
             </a:r>
             <a:endParaRPr lang="fr-FR" sz="1800" dirty="0"/>
           </a:p>
@@ -11832,80 +11658,13 @@
             <a:pPr lvl="0"/>
             <a:r>
               <a:rPr lang="fr-FR" sz="1800" dirty="0" smtClean="0"/>
-              <a:t>En effet ,l</a:t>
-            </a:r>
-            <a:r>
-              <a:rPr lang="fr-FR" sz="1800" dirty="0" smtClean="0"/>
-              <a:t>’effet </a:t>
+              <a:t>En </a:t>
             </a:r>
             <a:r>
               <a:rPr lang="fr-FR" sz="1800" dirty="0"/>
-              <a:t>Doppler est le phénomène qui implique le décalage de </a:t>
-            </a:r>
-            <a:r>
-              <a:rPr lang="fr-FR" sz="1800" dirty="0" smtClean="0"/>
-              <a:t>la </a:t>
-            </a:r>
-            <a:r>
-              <a:rPr lang="fr-FR" sz="1800" dirty="0" smtClean="0"/>
-              <a:t>longueur </a:t>
-            </a:r>
-            <a:r>
-              <a:rPr lang="fr-FR" sz="1800" dirty="0"/>
-              <a:t>d’onde qu’elle soit mécanique </a:t>
-            </a:r>
-            <a:r>
-              <a:rPr lang="fr-FR" sz="1800" dirty="0" smtClean="0"/>
-              <a:t>,acoustique </a:t>
-            </a:r>
-            <a:r>
-              <a:rPr lang="fr-FR" sz="1800" dirty="0"/>
-              <a:t>ou </a:t>
-            </a:r>
-            <a:r>
-              <a:rPr lang="fr-FR" sz="1800" dirty="0" smtClean="0"/>
-              <a:t>électromagnétique entre l’émission et de </a:t>
-            </a:r>
-            <a:r>
-              <a:rPr lang="fr-FR" sz="1800" dirty="0"/>
-              <a:t>la réception de cette onde. Les conséquences sur une onde électromagnétique (lumière) </a:t>
-            </a:r>
-            <a:r>
-              <a:rPr lang="fr-FR" sz="1800" dirty="0" smtClean="0"/>
-              <a:t>est que lors </a:t>
-            </a:r>
-            <a:r>
-              <a:rPr lang="fr-FR" sz="1800" dirty="0"/>
-              <a:t>d’un mouvement relatif d’un corps par rapport à l’observateur ,on va observer un décalage de la fréquence de cette onde électromagnétique , ce qui va produire un décalage des raies spectrales </a:t>
-            </a:r>
-            <a:r>
-              <a:rPr lang="fr-FR" sz="1800" dirty="0" smtClean="0"/>
-              <a:t>.</a:t>
-            </a:r>
-          </a:p>
-          <a:p>
-            <a:pPr lvl="0"/>
-            <a:endParaRPr lang="fr-FR" sz="1800" dirty="0"/>
-          </a:p>
-          <a:p>
-            <a:pPr lvl="0"/>
+              <a:t>effet , L'effet Doppler est la modification de la fréquence d'une onde lorsque la source émettrice et le récepteur sont en mouvement relatif.</a:t>
+            </a:r>
             <a:endParaRPr lang="fr-FR" sz="1800" dirty="0" smtClean="0"/>
-          </a:p>
-          <a:p>
-            <a:pPr lvl="0"/>
-            <a:r>
-              <a:rPr lang="fr-FR" sz="1800" dirty="0" smtClean="0"/>
-              <a:t>/* </a:t>
-            </a:r>
-            <a:r>
-              <a:rPr lang="fr-FR" sz="1800" dirty="0"/>
-              <a:t>vers le rouge si le corps s’éloigne et vers le bleu si il se rapproche</a:t>
-            </a:r>
-            <a:r>
-              <a:rPr lang="fr-FR" sz="1800" dirty="0" smtClean="0"/>
-              <a:t>.*/</a:t>
-            </a:r>
-            <a:endParaRPr lang="fr-FR" sz="1800" dirty="0"/>
           </a:p>
         </p:txBody>
       </p:sp>
@@ -12122,8 +11881,8 @@
         </p:nvSpPr>
         <p:spPr>
           <a:xfrm>
-            <a:off x="3240112" y="4669128"/>
-            <a:ext cx="3853439" cy="880200"/>
+            <a:off x="0" y="4211885"/>
+            <a:ext cx="10230727" cy="1683623"/>
           </a:xfrm>
           <a:prstGeom prst="rect">
             <a:avLst/>
@@ -12153,7 +11912,7 @@
               <a:tabLst/>
             </a:pPr>
             <a:r>
-              <a:rPr lang="fr-FR" sz="2800" b="0" i="0" u="none" strike="noStrike" kern="1200" dirty="0" err="1">
+              <a:rPr lang="fr-FR" sz="2000" b="0" i="0" u="none" strike="noStrike" kern="1200" dirty="0" err="1">
                 <a:ln>
                   <a:noFill/>
                 </a:ln>
@@ -12164,7 +11923,7 @@
               <a:t>Vr</a:t>
             </a:r>
             <a:r>
-              <a:rPr lang="fr-FR" sz="2800" b="0" i="0" u="none" strike="noStrike" kern="1200" dirty="0">
+              <a:rPr lang="fr-FR" sz="2000" b="0" i="0" u="none" strike="noStrike" kern="1200" dirty="0">
                 <a:ln>
                   <a:noFill/>
                 </a:ln>
@@ -12190,7 +11949,7 @@
               <a:tabLst/>
             </a:pPr>
             <a:r>
-              <a:rPr lang="fr-FR" sz="2800" b="0" i="0" u="none" strike="noStrike" kern="1200" dirty="0">
+              <a:rPr lang="fr-FR" sz="2000" b="0" i="0" u="none" strike="noStrike" kern="1200" dirty="0">
                 <a:ln>
                   <a:noFill/>
                 </a:ln>
@@ -12198,8 +11957,104 @@
                 <a:ea typeface="微软雅黑" pitchFamily="2"/>
                 <a:cs typeface="Lucida Sans" pitchFamily="2"/>
               </a:rPr>
-              <a:t>c=célérité de la lumière</a:t>
-            </a:r>
+              <a:t>c=célérité de la </a:t>
+            </a:r>
+            <a:r>
+              <a:rPr lang="fr-FR" sz="2000" b="0" i="0" u="none" strike="noStrike" kern="1200" dirty="0" smtClean="0">
+                <a:ln>
+                  <a:noFill/>
+                </a:ln>
+                <a:latin typeface="Arial" pitchFamily="18"/>
+                <a:ea typeface="微软雅黑" pitchFamily="2"/>
+                <a:cs typeface="Lucida Sans" pitchFamily="2"/>
+              </a:rPr>
+              <a:t>lumière</a:t>
+            </a:r>
+          </a:p>
+          <a:p>
+            <a:pPr lvl="0" hangingPunct="0"/>
+            <a:r>
+              <a:rPr lang="fr-FR" sz="2000" dirty="0">
+                <a:latin typeface="Arial" pitchFamily="18"/>
+                <a:ea typeface="微软雅黑" pitchFamily="2"/>
+                <a:cs typeface="Lucida Sans" pitchFamily="2"/>
+              </a:rPr>
+              <a:t>λ:la longueur d’onde d</a:t>
+            </a:r>
+            <a:r>
+              <a:rPr lang="fr-FR" sz="2000" dirty="0" smtClean="0">
+                <a:latin typeface="Arial" pitchFamily="18"/>
+                <a:ea typeface="微软雅黑" pitchFamily="2"/>
+                <a:cs typeface="Lucida Sans" pitchFamily="2"/>
+              </a:rPr>
+              <a:t>e </a:t>
+            </a:r>
+            <a:r>
+              <a:rPr lang="fr-FR" sz="2000" dirty="0">
+                <a:latin typeface="Arial" pitchFamily="18"/>
+                <a:ea typeface="微软雅黑" pitchFamily="2"/>
+                <a:cs typeface="Lucida Sans" pitchFamily="2"/>
+              </a:rPr>
+              <a:t>référence</a:t>
+            </a:r>
+            <a:endParaRPr lang="fr-FR" sz="2000" b="0" i="0" u="none" strike="noStrike" kern="1200" dirty="0" smtClean="0">
+              <a:ln>
+                <a:noFill/>
+              </a:ln>
+              <a:latin typeface="Arial" pitchFamily="18"/>
+              <a:ea typeface="微软雅黑" pitchFamily="2"/>
+              <a:cs typeface="Lucida Sans" pitchFamily="2"/>
+            </a:endParaRPr>
+          </a:p>
+          <a:p>
+            <a:pPr lvl="0" hangingPunct="0"/>
+            <a:r>
+              <a:rPr lang="fr-FR" sz="2000" dirty="0">
+                <a:latin typeface="Arial" pitchFamily="18"/>
+                <a:ea typeface="微软雅黑" pitchFamily="2"/>
+                <a:cs typeface="Lucida Sans" pitchFamily="2"/>
+              </a:rPr>
+              <a:t>Δ λ:la différence entre </a:t>
+            </a:r>
+            <a:r>
+              <a:rPr lang="fr-FR" sz="2000" dirty="0" smtClean="0">
+                <a:latin typeface="Arial" pitchFamily="18"/>
+                <a:ea typeface="微软雅黑" pitchFamily="2"/>
+                <a:cs typeface="Lucida Sans" pitchFamily="2"/>
+              </a:rPr>
+              <a:t>la longueur d’onde </a:t>
+            </a:r>
+            <a:r>
+              <a:rPr lang="fr-FR" sz="2000" dirty="0">
+                <a:latin typeface="Arial" pitchFamily="18"/>
+                <a:ea typeface="微软雅黑" pitchFamily="2"/>
+                <a:cs typeface="Lucida Sans" pitchFamily="2"/>
+              </a:rPr>
+              <a:t>observé et de la longueur d’onde de référence.</a:t>
+            </a:r>
+          </a:p>
+          <a:p>
+            <a:pPr marL="0" marR="0" lvl="0" indent="0" rtl="0" hangingPunct="0">
+              <a:lnSpc>
+                <a:spcPct val="100000"/>
+              </a:lnSpc>
+              <a:spcBef>
+                <a:spcPts val="0"/>
+              </a:spcBef>
+              <a:spcAft>
+                <a:spcPts val="0"/>
+              </a:spcAft>
+              <a:buNone/>
+              <a:tabLst/>
+            </a:pPr>
+            <a:endParaRPr lang="fr-FR" sz="2800" b="0" i="0" u="none" strike="noStrike" kern="1200" dirty="0">
+              <a:ln>
+                <a:noFill/>
+              </a:ln>
+              <a:latin typeface="Arial" pitchFamily="18"/>
+              <a:ea typeface="微软雅黑" pitchFamily="2"/>
+              <a:cs typeface="Lucida Sans" pitchFamily="2"/>
+            </a:endParaRPr>
           </a:p>
         </p:txBody>
       </p:sp>
@@ -12279,619 +12134,6 @@
               <a:buNone/>
               <a:tabLst/>
             </a:pPr>
-            <a:r>
-              <a:rPr lang="fr-FR" b="0" i="0" u="none" strike="noStrike" kern="1200" dirty="0" smtClean="0">
-                <a:ln>
-                  <a:noFill/>
-                </a:ln>
-                <a:latin typeface="Arial" pitchFamily="18"/>
-                <a:ea typeface="微软雅黑" pitchFamily="2"/>
-                <a:cs typeface="Lucida Sans" pitchFamily="2"/>
-              </a:rPr>
-              <a:t>/*Comme </a:t>
-            </a:r>
-            <a:r>
-              <a:rPr lang="fr-FR" dirty="0" smtClean="0">
-                <a:latin typeface="Arial" pitchFamily="18"/>
-                <a:ea typeface="微软雅黑" pitchFamily="2"/>
-                <a:cs typeface="Lucida Sans" pitchFamily="2"/>
-              </a:rPr>
-              <a:t>nous pouvons le voir ici que </a:t>
-            </a:r>
-            <a:r>
-              <a:rPr lang="fr-FR" b="0" i="0" u="none" strike="noStrike" kern="1200" dirty="0" smtClean="0">
-                <a:ln>
-                  <a:noFill/>
-                </a:ln>
-                <a:latin typeface="Arial" pitchFamily="18"/>
-                <a:ea typeface="微软雅黑" pitchFamily="2"/>
-                <a:cs typeface="Lucida Sans" pitchFamily="2"/>
-              </a:rPr>
-              <a:t>dans </a:t>
-            </a:r>
-            <a:r>
-              <a:rPr lang="fr-FR" b="0" i="0" u="none" strike="noStrike" kern="1200" dirty="0">
-                <a:ln>
-                  <a:noFill/>
-                </a:ln>
-                <a:latin typeface="Arial" pitchFamily="18"/>
-                <a:ea typeface="微软雅黑" pitchFamily="2"/>
-                <a:cs typeface="Lucida Sans" pitchFamily="2"/>
-              </a:rPr>
-              <a:t>le spectre d'une étoile </a:t>
-            </a:r>
-            <a:r>
-              <a:rPr lang="fr-FR" b="0" i="0" u="none" strike="noStrike" kern="1200" dirty="0" smtClean="0">
-                <a:ln>
-                  <a:noFill/>
-                </a:ln>
-                <a:latin typeface="Arial" pitchFamily="18"/>
-                <a:ea typeface="微软雅黑" pitchFamily="2"/>
-                <a:cs typeface="Lucida Sans" pitchFamily="2"/>
-              </a:rPr>
-              <a:t>,les </a:t>
-            </a:r>
-            <a:r>
-              <a:rPr lang="fr-FR" b="0" i="0" u="none" strike="noStrike" kern="1200" dirty="0">
-                <a:ln>
-                  <a:noFill/>
-                </a:ln>
-                <a:latin typeface="Arial" pitchFamily="18"/>
-                <a:ea typeface="微软雅黑" pitchFamily="2"/>
-                <a:cs typeface="Lucida Sans" pitchFamily="2"/>
-              </a:rPr>
-              <a:t>raies noires d'absorption </a:t>
-            </a:r>
-            <a:endParaRPr lang="fr-FR" b="0" i="0" u="none" strike="noStrike" kern="1200" dirty="0" smtClean="0">
-              <a:ln>
-                <a:noFill/>
-              </a:ln>
-              <a:latin typeface="Arial" pitchFamily="18"/>
-              <a:ea typeface="微软雅黑" pitchFamily="2"/>
-              <a:cs typeface="Lucida Sans" pitchFamily="2"/>
-            </a:endParaRPr>
-          </a:p>
-          <a:p>
-            <a:pPr marL="0" marR="0" lvl="0" indent="0" rtl="0" hangingPunct="0">
-              <a:lnSpc>
-                <a:spcPct val="100000"/>
-              </a:lnSpc>
-              <a:spcBef>
-                <a:spcPts val="0"/>
-              </a:spcBef>
-              <a:spcAft>
-                <a:spcPts val="0"/>
-              </a:spcAft>
-              <a:buNone/>
-              <a:tabLst/>
-            </a:pPr>
-            <a:r>
-              <a:rPr lang="fr-FR" b="0" i="0" u="none" strike="noStrike" kern="1200" dirty="0" smtClean="0">
-                <a:ln>
-                  <a:noFill/>
-                </a:ln>
-                <a:latin typeface="Arial" pitchFamily="18"/>
-                <a:ea typeface="微软雅黑" pitchFamily="2"/>
-                <a:cs typeface="Lucida Sans" pitchFamily="2"/>
-              </a:rPr>
-              <a:t>correspondant </a:t>
-            </a:r>
-            <a:r>
-              <a:rPr lang="fr-FR" b="0" i="0" u="none" strike="noStrike" kern="1200" dirty="0">
-                <a:ln>
-                  <a:noFill/>
-                </a:ln>
-                <a:latin typeface="Arial" pitchFamily="18"/>
-                <a:ea typeface="微软雅黑" pitchFamily="2"/>
-                <a:cs typeface="Lucida Sans" pitchFamily="2"/>
-              </a:rPr>
-              <a:t>à la </a:t>
-            </a:r>
-            <a:r>
-              <a:rPr lang="fr-FR" b="0" i="0" u="none" strike="noStrike" kern="1200" dirty="0" smtClean="0">
-                <a:ln>
-                  <a:noFill/>
-                </a:ln>
-                <a:latin typeface="Arial" pitchFamily="18"/>
-                <a:ea typeface="微软雅黑" pitchFamily="2"/>
-                <a:cs typeface="Lucida Sans" pitchFamily="2"/>
-              </a:rPr>
-              <a:t>composition </a:t>
-            </a:r>
-            <a:r>
-              <a:rPr lang="fr-FR" b="0" i="0" u="none" strike="noStrike" kern="1200" dirty="0">
-                <a:ln>
-                  <a:noFill/>
-                </a:ln>
-                <a:latin typeface="Arial" pitchFamily="18"/>
-                <a:ea typeface="微软雅黑" pitchFamily="2"/>
-                <a:cs typeface="Lucida Sans" pitchFamily="2"/>
-              </a:rPr>
-              <a:t>chimique de la chromosphère de l'étoile . </a:t>
-            </a:r>
-            <a:endParaRPr lang="fr-FR" b="0" i="0" u="none" strike="noStrike" kern="1200" dirty="0" smtClean="0">
-              <a:ln>
-                <a:noFill/>
-              </a:ln>
-              <a:latin typeface="Arial" pitchFamily="18"/>
-              <a:ea typeface="微软雅黑" pitchFamily="2"/>
-              <a:cs typeface="Lucida Sans" pitchFamily="2"/>
-            </a:endParaRPr>
-          </a:p>
-          <a:p>
-            <a:pPr marL="0" marR="0" lvl="0" indent="0" rtl="0" hangingPunct="0">
-              <a:lnSpc>
-                <a:spcPct val="100000"/>
-              </a:lnSpc>
-              <a:spcBef>
-                <a:spcPts val="0"/>
-              </a:spcBef>
-              <a:spcAft>
-                <a:spcPts val="0"/>
-              </a:spcAft>
-              <a:buNone/>
-              <a:tabLst/>
-            </a:pPr>
-            <a:r>
-              <a:rPr lang="fr-FR" b="0" i="0" u="none" strike="noStrike" kern="1200" dirty="0" err="1" smtClean="0">
-                <a:ln>
-                  <a:noFill/>
-                </a:ln>
-                <a:latin typeface="Arial" pitchFamily="18"/>
-                <a:ea typeface="微软雅黑" pitchFamily="2"/>
-                <a:cs typeface="Lucida Sans" pitchFamily="2"/>
-              </a:rPr>
-              <a:t>Or,chaque</a:t>
-            </a:r>
-            <a:r>
-              <a:rPr lang="fr-FR" b="0" i="0" u="none" strike="noStrike" kern="1200" dirty="0" smtClean="0">
-                <a:ln>
-                  <a:noFill/>
-                </a:ln>
-                <a:latin typeface="Arial" pitchFamily="18"/>
-                <a:ea typeface="微软雅黑" pitchFamily="2"/>
-                <a:cs typeface="Lucida Sans" pitchFamily="2"/>
-              </a:rPr>
-              <a:t> </a:t>
-            </a:r>
-            <a:r>
-              <a:rPr lang="fr-FR" b="0" i="0" u="none" strike="noStrike" kern="1200" dirty="0">
-                <a:ln>
-                  <a:noFill/>
-                </a:ln>
-                <a:latin typeface="Arial" pitchFamily="18"/>
-                <a:ea typeface="微软雅黑" pitchFamily="2"/>
-                <a:cs typeface="Lucida Sans" pitchFamily="2"/>
-              </a:rPr>
-              <a:t>raie ou radiation est caractérisée par sa longueur d'onde λ . </a:t>
-            </a:r>
-            <a:endParaRPr lang="fr-FR" b="0" i="0" u="none" strike="noStrike" kern="1200" dirty="0" smtClean="0">
-              <a:ln>
-                <a:noFill/>
-              </a:ln>
-              <a:latin typeface="Arial" pitchFamily="18"/>
-              <a:ea typeface="微软雅黑" pitchFamily="2"/>
-              <a:cs typeface="Lucida Sans" pitchFamily="2"/>
-            </a:endParaRPr>
-          </a:p>
-          <a:p>
-            <a:pPr marL="0" marR="0" lvl="0" indent="0" rtl="0" hangingPunct="0">
-              <a:lnSpc>
-                <a:spcPct val="100000"/>
-              </a:lnSpc>
-              <a:spcBef>
-                <a:spcPts val="0"/>
-              </a:spcBef>
-              <a:spcAft>
-                <a:spcPts val="0"/>
-              </a:spcAft>
-              <a:buNone/>
-              <a:tabLst/>
-            </a:pPr>
-            <a:r>
-              <a:rPr lang="fr-FR" b="0" i="0" u="none" strike="noStrike" kern="1200" dirty="0" smtClean="0">
-                <a:ln>
-                  <a:noFill/>
-                </a:ln>
-                <a:latin typeface="Arial" pitchFamily="18"/>
-                <a:ea typeface="微软雅黑" pitchFamily="2"/>
-                <a:cs typeface="Lucida Sans" pitchFamily="2"/>
-              </a:rPr>
-              <a:t>On </a:t>
-            </a:r>
-            <a:r>
-              <a:rPr lang="fr-FR" b="0" i="0" u="none" strike="noStrike" kern="1200" dirty="0">
-                <a:ln>
-                  <a:noFill/>
-                </a:ln>
-                <a:latin typeface="Arial" pitchFamily="18"/>
-                <a:ea typeface="微软雅黑" pitchFamily="2"/>
-                <a:cs typeface="Lucida Sans" pitchFamily="2"/>
-              </a:rPr>
-              <a:t>suppose un système double : une étoile et une </a:t>
-            </a:r>
-            <a:r>
-              <a:rPr lang="fr-FR" b="0" i="0" u="none" strike="noStrike" kern="1200" dirty="0" err="1">
-                <a:ln>
-                  <a:noFill/>
-                </a:ln>
-                <a:latin typeface="Arial" pitchFamily="18"/>
-                <a:ea typeface="微软雅黑" pitchFamily="2"/>
-                <a:cs typeface="Lucida Sans" pitchFamily="2"/>
-              </a:rPr>
-              <a:t>exoplanète</a:t>
-            </a:r>
-            <a:r>
-              <a:rPr lang="fr-FR" b="0" i="0" u="none" strike="noStrike" kern="1200" dirty="0">
-                <a:ln>
-                  <a:noFill/>
-                </a:ln>
-                <a:latin typeface="Arial" pitchFamily="18"/>
-                <a:ea typeface="微软雅黑" pitchFamily="2"/>
-                <a:cs typeface="Lucida Sans" pitchFamily="2"/>
-              </a:rPr>
-              <a:t> qui orbite toutes les deux autour </a:t>
-            </a:r>
-            <a:endParaRPr lang="fr-FR" b="0" i="0" u="none" strike="noStrike" kern="1200" dirty="0" smtClean="0">
-              <a:ln>
-                <a:noFill/>
-              </a:ln>
-              <a:latin typeface="Arial" pitchFamily="18"/>
-              <a:ea typeface="微软雅黑" pitchFamily="2"/>
-              <a:cs typeface="Lucida Sans" pitchFamily="2"/>
-            </a:endParaRPr>
-          </a:p>
-          <a:p>
-            <a:pPr marL="0" marR="0" lvl="0" indent="0" rtl="0" hangingPunct="0">
-              <a:lnSpc>
-                <a:spcPct val="100000"/>
-              </a:lnSpc>
-              <a:spcBef>
-                <a:spcPts val="0"/>
-              </a:spcBef>
-              <a:spcAft>
-                <a:spcPts val="0"/>
-              </a:spcAft>
-              <a:buNone/>
-              <a:tabLst/>
-            </a:pPr>
-            <a:r>
-              <a:rPr lang="fr-FR" b="0" i="0" u="none" strike="noStrike" kern="1200" dirty="0" smtClean="0">
-                <a:ln>
-                  <a:noFill/>
-                </a:ln>
-                <a:latin typeface="Arial" pitchFamily="18"/>
-                <a:ea typeface="微软雅黑" pitchFamily="2"/>
-                <a:cs typeface="Lucida Sans" pitchFamily="2"/>
-              </a:rPr>
-              <a:t>d’un </a:t>
-            </a:r>
-            <a:r>
-              <a:rPr lang="fr-FR" b="0" i="0" u="none" strike="noStrike" kern="1200" dirty="0" err="1">
-                <a:ln>
-                  <a:noFill/>
-                </a:ln>
-                <a:latin typeface="Arial" pitchFamily="18"/>
-                <a:ea typeface="微软雅黑" pitchFamily="2"/>
-                <a:cs typeface="Lucida Sans" pitchFamily="2"/>
-              </a:rPr>
-              <a:t>d’un</a:t>
-            </a:r>
-            <a:r>
-              <a:rPr lang="fr-FR" b="0" i="0" u="none" strike="noStrike" kern="1200" dirty="0">
-                <a:ln>
-                  <a:noFill/>
-                </a:ln>
-                <a:latin typeface="Arial" pitchFamily="18"/>
-                <a:ea typeface="微软雅黑" pitchFamily="2"/>
-                <a:cs typeface="Lucida Sans" pitchFamily="2"/>
-              </a:rPr>
-              <a:t> centre de masse fictif. </a:t>
-            </a:r>
-            <a:endParaRPr lang="fr-FR" b="0" i="0" u="none" strike="noStrike" kern="1200" dirty="0" smtClean="0">
-              <a:ln>
-                <a:noFill/>
-              </a:ln>
-              <a:latin typeface="Arial" pitchFamily="18"/>
-              <a:ea typeface="微软雅黑" pitchFamily="2"/>
-              <a:cs typeface="Lucida Sans" pitchFamily="2"/>
-            </a:endParaRPr>
-          </a:p>
-          <a:p>
-            <a:pPr marL="0" marR="0" lvl="0" indent="0" rtl="0" hangingPunct="0">
-              <a:lnSpc>
-                <a:spcPct val="100000"/>
-              </a:lnSpc>
-              <a:spcBef>
-                <a:spcPts val="0"/>
-              </a:spcBef>
-              <a:spcAft>
-                <a:spcPts val="0"/>
-              </a:spcAft>
-              <a:buNone/>
-              <a:tabLst/>
-            </a:pPr>
-            <a:r>
-              <a:rPr lang="fr-FR" b="0" i="0" u="none" strike="noStrike" kern="1200" dirty="0" smtClean="0">
-                <a:ln>
-                  <a:noFill/>
-                </a:ln>
-                <a:latin typeface="Arial" pitchFamily="18"/>
-                <a:ea typeface="微软雅黑" pitchFamily="2"/>
-                <a:cs typeface="Lucida Sans" pitchFamily="2"/>
-              </a:rPr>
-              <a:t>Si </a:t>
-            </a:r>
-            <a:r>
-              <a:rPr lang="fr-FR" b="0" i="0" u="none" strike="noStrike" kern="1200" dirty="0">
-                <a:ln>
-                  <a:noFill/>
-                </a:ln>
-                <a:latin typeface="Arial" pitchFamily="18"/>
-                <a:ea typeface="微软雅黑" pitchFamily="2"/>
-                <a:cs typeface="Lucida Sans" pitchFamily="2"/>
-              </a:rPr>
-              <a:t>l'étoile est fixe</a:t>
-            </a:r>
-            <a:r>
-              <a:rPr lang="fr-FR" b="0" i="0" u="none" strike="noStrike" kern="1200" dirty="0" smtClean="0">
-                <a:ln>
-                  <a:noFill/>
-                </a:ln>
-                <a:latin typeface="Arial" pitchFamily="18"/>
-                <a:ea typeface="微软雅黑" pitchFamily="2"/>
-                <a:cs typeface="Lucida Sans" pitchFamily="2"/>
-              </a:rPr>
-              <a:t>, ces </a:t>
-            </a:r>
-            <a:r>
-              <a:rPr lang="fr-FR" b="0" i="0" u="none" strike="noStrike" kern="1200" dirty="0">
-                <a:ln>
-                  <a:noFill/>
-                </a:ln>
-                <a:latin typeface="Arial" pitchFamily="18"/>
-                <a:ea typeface="微软雅黑" pitchFamily="2"/>
-                <a:cs typeface="Lucida Sans" pitchFamily="2"/>
-              </a:rPr>
-              <a:t>raies noirs le sont aussi mais si l'étoile est en </a:t>
-            </a:r>
-            <a:r>
-              <a:rPr lang="fr-FR" b="0" i="0" u="none" strike="noStrike" kern="1200" dirty="0" err="1">
-                <a:ln>
-                  <a:noFill/>
-                </a:ln>
-                <a:latin typeface="Arial" pitchFamily="18"/>
-                <a:ea typeface="微软雅黑" pitchFamily="2"/>
-                <a:cs typeface="Lucida Sans" pitchFamily="2"/>
-              </a:rPr>
-              <a:t>mouvement,alors</a:t>
-            </a:r>
-            <a:r>
-              <a:rPr lang="fr-FR" b="0" i="0" u="none" strike="noStrike" kern="1200" dirty="0">
-                <a:ln>
-                  <a:noFill/>
-                </a:ln>
-                <a:latin typeface="Arial" pitchFamily="18"/>
-                <a:ea typeface="微软雅黑" pitchFamily="2"/>
-                <a:cs typeface="Lucida Sans" pitchFamily="2"/>
-              </a:rPr>
-              <a:t> les </a:t>
-            </a:r>
-            <a:endParaRPr lang="fr-FR" b="0" i="0" u="none" strike="noStrike" kern="1200" dirty="0" smtClean="0">
-              <a:ln>
-                <a:noFill/>
-              </a:ln>
-              <a:latin typeface="Arial" pitchFamily="18"/>
-              <a:ea typeface="微软雅黑" pitchFamily="2"/>
-              <a:cs typeface="Lucida Sans" pitchFamily="2"/>
-            </a:endParaRPr>
-          </a:p>
-          <a:p>
-            <a:pPr marL="0" marR="0" lvl="0" indent="0" rtl="0" hangingPunct="0">
-              <a:lnSpc>
-                <a:spcPct val="100000"/>
-              </a:lnSpc>
-              <a:spcBef>
-                <a:spcPts val="0"/>
-              </a:spcBef>
-              <a:spcAft>
-                <a:spcPts val="0"/>
-              </a:spcAft>
-              <a:buNone/>
-              <a:tabLst/>
-            </a:pPr>
-            <a:r>
-              <a:rPr lang="fr-FR" b="0" i="0" u="none" strike="noStrike" kern="1200" dirty="0" smtClean="0">
-                <a:ln>
-                  <a:noFill/>
-                </a:ln>
-                <a:latin typeface="Arial" pitchFamily="18"/>
-                <a:ea typeface="微软雅黑" pitchFamily="2"/>
-                <a:cs typeface="Lucida Sans" pitchFamily="2"/>
-              </a:rPr>
-              <a:t>fréquence </a:t>
-            </a:r>
-            <a:r>
-              <a:rPr lang="fr-FR" b="0" i="0" u="none" strike="noStrike" kern="1200" dirty="0">
-                <a:ln>
-                  <a:noFill/>
-                </a:ln>
-                <a:latin typeface="Arial" pitchFamily="18"/>
-                <a:ea typeface="微软雅黑" pitchFamily="2"/>
-                <a:cs typeface="Lucida Sans" pitchFamily="2"/>
-              </a:rPr>
-              <a:t>(donc les longueurs d'onde)des raies absorbées sont modifiées</a:t>
-            </a:r>
-            <a:r>
-              <a:rPr lang="fr-FR" b="0" i="0" u="none" strike="noStrike" kern="1200" dirty="0" smtClean="0">
-                <a:ln>
-                  <a:noFill/>
-                </a:ln>
-                <a:latin typeface="Arial" pitchFamily="18"/>
-                <a:ea typeface="微软雅黑" pitchFamily="2"/>
-                <a:cs typeface="Lucida Sans" pitchFamily="2"/>
-              </a:rPr>
-              <a:t>.</a:t>
-            </a:r>
-          </a:p>
-          <a:p>
-            <a:pPr marL="0" marR="0" lvl="0" indent="0" rtl="0" hangingPunct="0">
-              <a:lnSpc>
-                <a:spcPct val="100000"/>
-              </a:lnSpc>
-              <a:spcBef>
-                <a:spcPts val="0"/>
-              </a:spcBef>
-              <a:spcAft>
-                <a:spcPts val="0"/>
-              </a:spcAft>
-              <a:buNone/>
-              <a:tabLst/>
-            </a:pPr>
-            <a:r>
-              <a:rPr lang="fr-FR" b="0" i="0" u="none" strike="noStrike" kern="1200" dirty="0" smtClean="0">
-                <a:ln>
-                  <a:noFill/>
-                </a:ln>
-                <a:latin typeface="Arial" pitchFamily="18"/>
-                <a:ea typeface="微软雅黑" pitchFamily="2"/>
-                <a:cs typeface="Lucida Sans" pitchFamily="2"/>
-              </a:rPr>
-              <a:t>Celles-ci </a:t>
-            </a:r>
-            <a:r>
-              <a:rPr lang="fr-FR" b="0" i="0" u="none" strike="noStrike" kern="1200" dirty="0">
-                <a:ln>
-                  <a:noFill/>
-                </a:ln>
-                <a:latin typeface="Arial" pitchFamily="18"/>
-                <a:ea typeface="微软雅黑" pitchFamily="2"/>
-                <a:cs typeface="Lucida Sans" pitchFamily="2"/>
-              </a:rPr>
-              <a:t>«se déplacent</a:t>
-            </a:r>
-            <a:r>
-              <a:rPr lang="fr-FR" b="0" i="0" u="none" strike="noStrike" kern="1200" dirty="0" smtClean="0">
-                <a:ln>
-                  <a:noFill/>
-                </a:ln>
-                <a:latin typeface="Arial" pitchFamily="18"/>
-                <a:ea typeface="微软雅黑" pitchFamily="2"/>
-                <a:cs typeface="Lucida Sans" pitchFamily="2"/>
-              </a:rPr>
-              <a:t>» dans </a:t>
-            </a:r>
-            <a:r>
-              <a:rPr lang="fr-FR" b="0" i="0" u="none" strike="noStrike" kern="1200" dirty="0">
-                <a:ln>
-                  <a:noFill/>
-                </a:ln>
-                <a:latin typeface="Arial" pitchFamily="18"/>
-                <a:ea typeface="微软雅黑" pitchFamily="2"/>
-                <a:cs typeface="Lucida Sans" pitchFamily="2"/>
-              </a:rPr>
-              <a:t>le spectre visible de la lumière. </a:t>
-            </a:r>
-            <a:endParaRPr lang="fr-FR" b="0" i="0" u="none" strike="noStrike" kern="1200" dirty="0" smtClean="0">
-              <a:ln>
-                <a:noFill/>
-              </a:ln>
-              <a:latin typeface="Arial" pitchFamily="18"/>
-              <a:ea typeface="微软雅黑" pitchFamily="2"/>
-              <a:cs typeface="Lucida Sans" pitchFamily="2"/>
-            </a:endParaRPr>
-          </a:p>
-          <a:p>
-            <a:pPr marL="0" marR="0" lvl="0" indent="0" rtl="0" hangingPunct="0">
-              <a:lnSpc>
-                <a:spcPct val="100000"/>
-              </a:lnSpc>
-              <a:spcBef>
-                <a:spcPts val="0"/>
-              </a:spcBef>
-              <a:spcAft>
-                <a:spcPts val="0"/>
-              </a:spcAft>
-              <a:buNone/>
-              <a:tabLst/>
-            </a:pPr>
-            <a:r>
-              <a:rPr lang="fr-FR" b="0" i="0" u="none" strike="noStrike" kern="1200" dirty="0" smtClean="0">
-                <a:ln>
-                  <a:noFill/>
-                </a:ln>
-                <a:latin typeface="Arial" pitchFamily="18"/>
-                <a:ea typeface="微软雅黑" pitchFamily="2"/>
-                <a:cs typeface="Lucida Sans" pitchFamily="2"/>
-              </a:rPr>
-              <a:t>On </a:t>
-            </a:r>
-            <a:r>
-              <a:rPr lang="fr-FR" b="0" i="0" u="none" strike="noStrike" kern="1200" dirty="0">
-                <a:ln>
-                  <a:noFill/>
-                </a:ln>
-                <a:latin typeface="Arial" pitchFamily="18"/>
-                <a:ea typeface="微软雅黑" pitchFamily="2"/>
-                <a:cs typeface="Lucida Sans" pitchFamily="2"/>
-              </a:rPr>
-              <a:t>appelle ce phénomène le «</a:t>
-            </a:r>
-            <a:r>
-              <a:rPr lang="fr-FR" b="0" i="0" u="none" strike="noStrike" kern="1200" dirty="0" err="1">
-                <a:ln>
-                  <a:noFill/>
-                </a:ln>
-                <a:latin typeface="Arial" pitchFamily="18"/>
-                <a:ea typeface="微软雅黑" pitchFamily="2"/>
-                <a:cs typeface="Lucida Sans" pitchFamily="2"/>
-              </a:rPr>
-              <a:t>redshift</a:t>
-            </a:r>
-            <a:r>
-              <a:rPr lang="fr-FR" b="0" i="0" u="none" strike="noStrike" kern="1200" dirty="0" smtClean="0">
-                <a:ln>
-                  <a:noFill/>
-                </a:ln>
-                <a:latin typeface="Arial" pitchFamily="18"/>
-                <a:ea typeface="微软雅黑" pitchFamily="2"/>
-                <a:cs typeface="Lucida Sans" pitchFamily="2"/>
-              </a:rPr>
-              <a:t>» ou </a:t>
-            </a:r>
-            <a:r>
-              <a:rPr lang="fr-FR" b="0" i="0" u="none" strike="noStrike" kern="1200" dirty="0">
-                <a:ln>
-                  <a:noFill/>
-                </a:ln>
-                <a:latin typeface="Arial" pitchFamily="18"/>
-                <a:ea typeface="微软雅黑" pitchFamily="2"/>
-                <a:cs typeface="Lucida Sans" pitchFamily="2"/>
-              </a:rPr>
-              <a:t>«</a:t>
-            </a:r>
-            <a:r>
-              <a:rPr lang="fr-FR" b="0" i="0" u="none" strike="noStrike" kern="1200" dirty="0" err="1">
-                <a:ln>
-                  <a:noFill/>
-                </a:ln>
-                <a:latin typeface="Arial" pitchFamily="18"/>
-                <a:ea typeface="微软雅黑" pitchFamily="2"/>
-                <a:cs typeface="Lucida Sans" pitchFamily="2"/>
-              </a:rPr>
-              <a:t>blueshift</a:t>
-            </a:r>
-            <a:r>
-              <a:rPr lang="fr-FR" b="0" i="0" u="none" strike="noStrike" kern="1200" dirty="0" smtClean="0">
-                <a:ln>
-                  <a:noFill/>
-                </a:ln>
-                <a:latin typeface="Arial" pitchFamily="18"/>
-                <a:ea typeface="微软雅黑" pitchFamily="2"/>
-                <a:cs typeface="Lucida Sans" pitchFamily="2"/>
-              </a:rPr>
-              <a:t>».*/</a:t>
-            </a:r>
             <a:endParaRPr lang="fr-FR" b="0" i="0" u="none" strike="noStrike" kern="1200" dirty="0">
               <a:ln>
                 <a:noFill/>
@@ -12911,7 +12153,7 @@
         </p:nvSpPr>
         <p:spPr>
           <a:xfrm>
-            <a:off x="143768" y="3507205"/>
+            <a:off x="567752" y="1691605"/>
             <a:ext cx="9145016" cy="1424760"/>
           </a:xfrm>
           <a:prstGeom prst="rect">
@@ -12991,73 +12233,8 @@
                 <a:ea typeface="微软雅黑" pitchFamily="2"/>
                 <a:cs typeface="Lucida Sans" pitchFamily="2"/>
               </a:rPr>
-              <a:t>λ/λ avec c:la célérité de la lumière</a:t>
-            </a:r>
-            <a:r>
-              <a:rPr lang="fr-FR" dirty="0">
-                <a:latin typeface="Arial" pitchFamily="18"/>
-                <a:ea typeface="微软雅黑" pitchFamily="2"/>
-                <a:cs typeface="Lucida Sans" pitchFamily="2"/>
-              </a:rPr>
-              <a:t>, </a:t>
-            </a:r>
-            <a:r>
-              <a:rPr lang="fr-FR" dirty="0" smtClean="0">
-                <a:latin typeface="Arial" pitchFamily="18"/>
-                <a:ea typeface="微软雅黑" pitchFamily="2"/>
-                <a:cs typeface="Lucida Sans" pitchFamily="2"/>
-              </a:rPr>
-              <a:t>λ:la longueur d’onde </a:t>
-            </a:r>
-          </a:p>
-          <a:p>
-            <a:pPr lvl="0" hangingPunct="0"/>
-            <a:r>
-              <a:rPr lang="fr-FR" dirty="0" smtClean="0">
-                <a:latin typeface="Arial" pitchFamily="18"/>
-                <a:ea typeface="微软雅黑" pitchFamily="2"/>
-                <a:cs typeface="Lucida Sans" pitchFamily="2"/>
-              </a:rPr>
-              <a:t>De référence et Δ λ:la différence entre </a:t>
-            </a:r>
-          </a:p>
-          <a:p>
-            <a:pPr lvl="0" hangingPunct="0"/>
-            <a:r>
-              <a:rPr lang="fr-FR" b="0" i="0" u="none" strike="noStrike" kern="1200" dirty="0" smtClean="0">
-                <a:ln>
-                  <a:noFill/>
-                </a:ln>
-                <a:latin typeface="Arial" pitchFamily="18"/>
-                <a:ea typeface="微软雅黑" pitchFamily="2"/>
-                <a:cs typeface="Lucida Sans" pitchFamily="2"/>
-              </a:rPr>
-              <a:t>La longueur  d’onde observé et de la longueur d’onde </a:t>
-            </a:r>
-            <a:r>
-              <a:rPr lang="fr-FR" dirty="0">
-                <a:latin typeface="Arial" pitchFamily="18"/>
-                <a:ea typeface="微软雅黑" pitchFamily="2"/>
-                <a:cs typeface="Lucida Sans" pitchFamily="2"/>
-              </a:rPr>
-              <a:t>de </a:t>
-            </a:r>
-            <a:r>
-              <a:rPr lang="fr-FR" dirty="0" smtClean="0">
-                <a:latin typeface="Arial" pitchFamily="18"/>
-                <a:ea typeface="微软雅黑" pitchFamily="2"/>
-                <a:cs typeface="Lucida Sans" pitchFamily="2"/>
-              </a:rPr>
-              <a:t>référence.</a:t>
-            </a:r>
-            <a:endParaRPr lang="fr-FR" b="0" i="0" u="none" strike="noStrike" kern="1200" dirty="0" smtClean="0">
-              <a:ln>
-                <a:noFill/>
-              </a:ln>
-              <a:latin typeface="Arial" pitchFamily="18"/>
-              <a:ea typeface="微软雅黑" pitchFamily="2"/>
-              <a:cs typeface="Lucida Sans" pitchFamily="2"/>
-            </a:endParaRPr>
+              <a:t>λ/λ.</a:t>
+            </a:r>
           </a:p>
         </p:txBody>
       </p:sp>
@@ -13385,21 +12562,21 @@
           <a:p>
             <a:pPr lvl="0"/>
             <a:r>
-              <a:rPr lang="fr-FR"/>
+              <a:rPr lang="fr-FR" dirty="0"/>
               <a:t>C'est la projection de la vitesse de l'étoile sur la ligne de visée de l'observateur</a:t>
             </a:r>
           </a:p>
           <a:p>
             <a:pPr lvl="0"/>
             <a:r>
-              <a:rPr lang="fr-FR"/>
+              <a:rPr lang="fr-FR" dirty="0"/>
               <a:t>Positive=&gt;s'éloigne</a:t>
             </a:r>
           </a:p>
           <a:p>
             <a:pPr lvl="0"/>
             <a:r>
-              <a:rPr lang="fr-FR"/>
+              <a:rPr lang="fr-FR" dirty="0"/>
               <a:t>Négative=&gt;se rapproche</a:t>
             </a:r>
           </a:p>

--- a/podcast.odp.pptx
+++ b/podcast.odp.pptx
@@ -6175,6 +6175,39 @@
           </a:p>
         </p:txBody>
       </p:sp>
+      <p:sp>
+        <p:nvSpPr>
+          <p:cNvPr id="3" name="Rectangle 2"/>
+          <p:cNvSpPr/>
+          <p:nvPr/>
+        </p:nvSpPr>
+        <p:spPr>
+          <a:xfrm>
+            <a:off x="3816176" y="251445"/>
+            <a:ext cx="1999458" cy="369332"/>
+          </a:xfrm>
+          <a:prstGeom prst="rect">
+            <a:avLst/>
+          </a:prstGeom>
+        </p:spPr>
+        <p:txBody>
+          <a:bodyPr wrap="none">
+            <a:spAutoFit/>
+          </a:bodyPr>
+          <a:lstStyle/>
+          <a:p>
+            <a:r>
+              <a:rPr lang="fr-FR" dirty="0"/>
+              <a:t>Lire pour le diapo </a:t>
+            </a:r>
+            <a:r>
+              <a:rPr lang="fr-FR" dirty="0" smtClean="0"/>
+              <a:t>9</a:t>
+            </a:r>
+            <a:endParaRPr lang="fr-FR" dirty="0"/>
+          </a:p>
+        </p:txBody>
+      </p:sp>
     </p:spTree>
   </p:cSld>
   <p:clrMapOvr>
@@ -6348,7 +6381,15 @@
             </a:lvl9pPr>
           </a:lstStyle>
           <a:p>
-            <a:endParaRPr lang="fr-FR"/>
+            <a:r>
+              <a:rPr lang="fr-FR" dirty="0"/>
+              <a:t>Lire pour le diapo </a:t>
+            </a:r>
+            <a:r>
+              <a:rPr lang="fr-FR" dirty="0" smtClean="0"/>
+              <a:t>11</a:t>
+            </a:r>
+            <a:endParaRPr lang="fr-FR" dirty="0"/>
           </a:p>
         </p:txBody>
       </p:sp>
@@ -6989,8 +7030,12 @@
           </a:lstStyle>
           <a:p>
             <a:r>
+              <a:rPr lang="fr-FR" dirty="0"/>
+              <a:t>Lire pour le diapo </a:t>
+            </a:r>
+            <a:r>
               <a:rPr lang="fr-FR" dirty="0" smtClean="0"/>
-              <a:t>Les intérêts de cette méthode.</a:t>
+              <a:t>13</a:t>
             </a:r>
             <a:endParaRPr lang="fr-FR" dirty="0"/>
           </a:p>
@@ -7206,26 +7251,30 @@
               <a:buNone/>
             </a:pPr>
             <a:r>
-              <a:rPr lang="fr-FR" dirty="0" smtClean="0"/>
-              <a:t>Grâce au spectre de l’étoile ,on peut connaître la période de la planète et en déduire la distance séparant la planète de l’étoile en utilisant la </a:t>
-            </a:r>
-            <a:r>
-              <a:rPr lang="fr-FR" dirty="0"/>
+              <a:rPr lang="fr-FR" sz="2000" dirty="0" smtClean="0"/>
+              <a:t>Cette méthode a plusieurs intérêt ,puisque grâce </a:t>
+            </a:r>
+            <a:r>
+              <a:rPr lang="fr-FR" sz="2000" dirty="0" smtClean="0"/>
+              <a:t>au spectre de l’étoile ,on peut connaître la période de la planète et en déduire la distance séparant la planète de l’étoile en utilisant la </a:t>
+            </a:r>
+            <a:r>
+              <a:rPr lang="fr-FR" sz="2000" dirty="0"/>
               <a:t>troisième loi de Kepler </a:t>
             </a:r>
             <a:r>
-              <a:rPr lang="fr-FR" dirty="0" smtClean="0"/>
+              <a:rPr lang="fr-FR" sz="2000" dirty="0" smtClean="0"/>
               <a:t>et d’avoir la vitesse de la planète en </a:t>
             </a:r>
             <a:r>
-              <a:rPr lang="fr-FR" dirty="0"/>
+              <a:rPr lang="fr-FR" sz="2000" dirty="0"/>
               <a:t>utilisant la loi de Newton sur la </a:t>
             </a:r>
             <a:r>
-              <a:rPr lang="fr-FR" dirty="0" smtClean="0"/>
+              <a:rPr lang="fr-FR" sz="2000" dirty="0" smtClean="0"/>
               <a:t>gravitation . En fin grâce à cette vitesse on peut calculer la masse de la planète.</a:t>
             </a:r>
-            <a:endParaRPr lang="fr-FR" dirty="0"/>
+            <a:endParaRPr lang="fr-FR" sz="2000" dirty="0"/>
           </a:p>
         </p:txBody>
       </p:sp>
@@ -7527,19 +7576,15 @@
             </a:endParaRPr>
           </a:p>
           <a:p>
-            <a:pPr marL="0" marR="0" lvl="0" indent="0" rtl="0" hangingPunct="0">
-              <a:lnSpc>
-                <a:spcPct val="100000"/>
-              </a:lnSpc>
-              <a:spcBef>
-                <a:spcPts val="0"/>
-              </a:spcBef>
-              <a:spcAft>
-                <a:spcPts val="0"/>
-              </a:spcAft>
-              <a:buNone/>
-              <a:tabLst/>
-            </a:pPr>
+            <a:pPr lvl="0" hangingPunct="0"/>
+            <a:r>
+              <a:rPr lang="fr-FR" dirty="0"/>
+              <a:t>Lire pour le diapo </a:t>
+            </a:r>
+            <a:r>
+              <a:rPr lang="fr-FR" dirty="0" smtClean="0"/>
+              <a:t>15</a:t>
+            </a:r>
             <a:endParaRPr lang="fr-FR" dirty="0">
               <a:latin typeface="Arial" pitchFamily="18"/>
               <a:ea typeface="微软雅黑" pitchFamily="2"/>
@@ -7618,7 +7663,7 @@
               <a:t>En </a:t>
             </a:r>
             <a:r>
-              <a:rPr lang="fr-FR" b="0" i="0" u="none" strike="noStrike" kern="1200" dirty="0" err="1" smtClean="0">
+              <a:rPr lang="fr-FR" b="0" i="0" u="none" strike="noStrike" kern="1200" dirty="0" smtClean="0">
                 <a:ln>
                   <a:noFill/>
                 </a:ln>
@@ -7626,31 +7671,124 @@
                 <a:ea typeface="微软雅黑" pitchFamily="2"/>
                 <a:cs typeface="Lucida Sans" pitchFamily="2"/>
               </a:rPr>
-              <a:t>effet,si</a:t>
-            </a:r>
-            <a:r>
-              <a:rPr lang="fr-FR" b="0" i="0" u="none" strike="noStrike" kern="1200" dirty="0" smtClean="0">
-                <a:ln>
-                  <a:noFill/>
-                </a:ln>
+              <a:t>effet , </a:t>
+            </a:r>
+            <a:r>
+              <a:rPr lang="fr-FR" dirty="0">
                 <a:latin typeface="Arial" pitchFamily="18"/>
                 <a:ea typeface="微软雅黑" pitchFamily="2"/>
                 <a:cs typeface="Lucida Sans" pitchFamily="2"/>
               </a:rPr>
-              <a:t> </a:t>
-            </a:r>
-            <a:r>
-              <a:rPr lang="fr-FR" b="0" i="0" u="none" strike="noStrike" kern="1200" dirty="0">
-                <a:ln>
-                  <a:noFill/>
-                </a:ln>
+              <a:t>o</a:t>
+            </a:r>
+            <a:r>
+              <a:rPr lang="fr-FR" dirty="0" smtClean="0">
                 <a:latin typeface="Arial" pitchFamily="18"/>
                 <a:ea typeface="微软雅黑" pitchFamily="2"/>
                 <a:cs typeface="Lucida Sans" pitchFamily="2"/>
               </a:rPr>
-              <a:t>on observe un système comportant deux astre a 90° de leur orbites il est impossible de </a:t>
-            </a:r>
-            <a:endParaRPr lang="fr-FR" b="0" i="0" u="none" strike="noStrike" kern="1200" dirty="0" smtClean="0">
+              <a:t>n ne peut pas détecter le moindre de décalage </a:t>
+            </a:r>
+            <a:r>
+              <a:rPr lang="fr-FR" dirty="0">
+                <a:latin typeface="Arial" pitchFamily="18"/>
+                <a:ea typeface="微软雅黑" pitchFamily="2"/>
+                <a:cs typeface="Lucida Sans" pitchFamily="2"/>
+              </a:rPr>
+              <a:t>des raies </a:t>
+            </a:r>
+            <a:r>
+              <a:rPr lang="fr-FR" dirty="0" smtClean="0">
+                <a:latin typeface="Arial" pitchFamily="18"/>
+                <a:ea typeface="微软雅黑" pitchFamily="2"/>
+                <a:cs typeface="Lucida Sans" pitchFamily="2"/>
+              </a:rPr>
+              <a:t>spectrales si on </a:t>
+            </a:r>
+            <a:r>
+              <a:rPr lang="fr-FR" dirty="0">
+                <a:latin typeface="Arial" pitchFamily="18"/>
+                <a:ea typeface="微软雅黑" pitchFamily="2"/>
+                <a:cs typeface="Lucida Sans" pitchFamily="2"/>
+              </a:rPr>
+              <a:t>observe </a:t>
+            </a:r>
+            <a:endParaRPr lang="fr-FR" dirty="0" smtClean="0">
+              <a:latin typeface="Arial" pitchFamily="18"/>
+              <a:ea typeface="微软雅黑" pitchFamily="2"/>
+              <a:cs typeface="Lucida Sans" pitchFamily="2"/>
+            </a:endParaRPr>
+          </a:p>
+          <a:p>
+            <a:pPr lvl="0" hangingPunct="0"/>
+            <a:r>
+              <a:rPr lang="fr-FR" dirty="0" smtClean="0">
+                <a:latin typeface="Arial" pitchFamily="18"/>
+                <a:ea typeface="微软雅黑" pitchFamily="2"/>
+                <a:cs typeface="Lucida Sans" pitchFamily="2"/>
+              </a:rPr>
+              <a:t>le </a:t>
+            </a:r>
+            <a:r>
+              <a:rPr lang="fr-FR" dirty="0">
+                <a:latin typeface="Arial" pitchFamily="18"/>
+                <a:ea typeface="微软雅黑" pitchFamily="2"/>
+                <a:cs typeface="Lucida Sans" pitchFamily="2"/>
+              </a:rPr>
+              <a:t>système comportant </a:t>
+            </a:r>
+            <a:r>
+              <a:rPr lang="fr-FR" dirty="0" smtClean="0">
+                <a:latin typeface="Arial" pitchFamily="18"/>
+                <a:ea typeface="微软雅黑" pitchFamily="2"/>
+                <a:cs typeface="Lucida Sans" pitchFamily="2"/>
+              </a:rPr>
+              <a:t>deux </a:t>
+            </a:r>
+            <a:r>
+              <a:rPr lang="fr-FR" dirty="0">
+                <a:latin typeface="Arial" pitchFamily="18"/>
+                <a:ea typeface="微软雅黑" pitchFamily="2"/>
+                <a:cs typeface="Lucida Sans" pitchFamily="2"/>
+              </a:rPr>
+              <a:t>astre </a:t>
+            </a:r>
+            <a:r>
+              <a:rPr lang="fr-FR" dirty="0" smtClean="0">
+                <a:latin typeface="Arial" pitchFamily="18"/>
+                <a:ea typeface="微软雅黑" pitchFamily="2"/>
+                <a:cs typeface="Lucida Sans" pitchFamily="2"/>
+              </a:rPr>
+              <a:t>à </a:t>
+            </a:r>
+            <a:r>
+              <a:rPr lang="fr-FR" dirty="0">
+                <a:latin typeface="Arial" pitchFamily="18"/>
+                <a:ea typeface="微软雅黑" pitchFamily="2"/>
+                <a:cs typeface="Lucida Sans" pitchFamily="2"/>
+              </a:rPr>
+              <a:t>90° de leur orbites</a:t>
+            </a:r>
+            <a:r>
+              <a:rPr lang="fr-FR" dirty="0" smtClean="0">
+                <a:latin typeface="Arial" pitchFamily="18"/>
+                <a:ea typeface="微软雅黑" pitchFamily="2"/>
+                <a:cs typeface="Lucida Sans" pitchFamily="2"/>
+              </a:rPr>
+              <a:t> et si la planète est trop petit ou trop </a:t>
+            </a:r>
+          </a:p>
+          <a:p>
+            <a:pPr lvl="0" hangingPunct="0"/>
+            <a:r>
+              <a:rPr lang="fr-FR" dirty="0" smtClean="0">
+                <a:latin typeface="Arial" pitchFamily="18"/>
+                <a:ea typeface="微软雅黑" pitchFamily="2"/>
+                <a:cs typeface="Lucida Sans" pitchFamily="2"/>
+              </a:rPr>
+              <a:t>Loin par rapport à son étoile.</a:t>
+            </a:r>
+            <a:endParaRPr lang="fr-FR" b="0" i="0" u="none" strike="noStrike" kern="1200" dirty="0">
               <a:ln>
                 <a:noFill/>
               </a:ln>
@@ -7658,274 +7796,6 @@
               <a:ea typeface="微软雅黑" pitchFamily="2"/>
               <a:cs typeface="Lucida Sans" pitchFamily="2"/>
             </a:endParaRPr>
-          </a:p>
-          <a:p>
-            <a:pPr marL="0" marR="0" lvl="0" indent="0" rtl="0" hangingPunct="0">
-              <a:lnSpc>
-                <a:spcPct val="100000"/>
-              </a:lnSpc>
-              <a:spcBef>
-                <a:spcPts val="0"/>
-              </a:spcBef>
-              <a:spcAft>
-                <a:spcPts val="0"/>
-              </a:spcAft>
-              <a:buNone/>
-              <a:tabLst/>
-            </a:pPr>
-            <a:r>
-              <a:rPr lang="fr-FR" b="0" i="0" u="none" strike="noStrike" kern="1200" dirty="0" smtClean="0">
-                <a:ln>
-                  <a:noFill/>
-                </a:ln>
-                <a:latin typeface="Arial" pitchFamily="18"/>
-                <a:ea typeface="微软雅黑" pitchFamily="2"/>
-                <a:cs typeface="Lucida Sans" pitchFamily="2"/>
-              </a:rPr>
-              <a:t>détecter </a:t>
-            </a:r>
-            <a:r>
-              <a:rPr lang="fr-FR" b="0" i="0" u="none" strike="noStrike" kern="1200" dirty="0">
-                <a:ln>
-                  <a:noFill/>
-                </a:ln>
-                <a:latin typeface="Arial" pitchFamily="18"/>
-                <a:ea typeface="微软雅黑" pitchFamily="2"/>
-                <a:cs typeface="Lucida Sans" pitchFamily="2"/>
-              </a:rPr>
-              <a:t>un décalage des raies spectrale car la vitesse radiale est nulle à tout instant. </a:t>
-            </a:r>
-            <a:endParaRPr lang="fr-FR" b="0" i="0" u="none" strike="noStrike" kern="1200" dirty="0" smtClean="0">
-              <a:ln>
-                <a:noFill/>
-              </a:ln>
-              <a:latin typeface="Arial" pitchFamily="18"/>
-              <a:ea typeface="微软雅黑" pitchFamily="2"/>
-              <a:cs typeface="Lucida Sans" pitchFamily="2"/>
-            </a:endParaRPr>
-          </a:p>
-          <a:p>
-            <a:pPr marL="0" marR="0" lvl="0" indent="0" rtl="0" hangingPunct="0">
-              <a:lnSpc>
-                <a:spcPct val="100000"/>
-              </a:lnSpc>
-              <a:spcBef>
-                <a:spcPts val="0"/>
-              </a:spcBef>
-              <a:spcAft>
-                <a:spcPts val="0"/>
-              </a:spcAft>
-              <a:buNone/>
-              <a:tabLst/>
-            </a:pPr>
-            <a:r>
-              <a:rPr lang="fr-FR" b="0" i="0" u="none" strike="noStrike" kern="1200" dirty="0" smtClean="0">
-                <a:ln>
-                  <a:noFill/>
-                </a:ln>
-                <a:latin typeface="Arial" pitchFamily="18"/>
-                <a:ea typeface="微软雅黑" pitchFamily="2"/>
-                <a:cs typeface="Lucida Sans" pitchFamily="2"/>
-              </a:rPr>
-              <a:t>De plus l’</a:t>
-            </a:r>
-            <a:r>
-              <a:rPr lang="fr-FR" b="0" i="0" u="none" strike="noStrike" kern="1200" dirty="0" err="1" smtClean="0">
-                <a:ln>
-                  <a:noFill/>
-                </a:ln>
-                <a:latin typeface="Arial" pitchFamily="18"/>
-                <a:ea typeface="微软雅黑" pitchFamily="2"/>
-                <a:cs typeface="Lucida Sans" pitchFamily="2"/>
-              </a:rPr>
-              <a:t>exoplanète</a:t>
-            </a:r>
-            <a:r>
-              <a:rPr lang="fr-FR" b="0" i="0" u="none" strike="noStrike" kern="1200" dirty="0" smtClean="0">
-                <a:ln>
-                  <a:noFill/>
-                </a:ln>
-                <a:latin typeface="Arial" pitchFamily="18"/>
-                <a:ea typeface="微软雅黑" pitchFamily="2"/>
-                <a:cs typeface="Lucida Sans" pitchFamily="2"/>
-              </a:rPr>
-              <a:t> </a:t>
-            </a:r>
-            <a:r>
-              <a:rPr lang="fr-FR" b="0" i="0" u="none" strike="noStrike" kern="1200" dirty="0">
-                <a:ln>
-                  <a:noFill/>
-                </a:ln>
-                <a:latin typeface="Arial" pitchFamily="18"/>
-                <a:ea typeface="微软雅黑" pitchFamily="2"/>
-                <a:cs typeface="Lucida Sans" pitchFamily="2"/>
-              </a:rPr>
-              <a:t>qu’on souhaite détecter </a:t>
-            </a:r>
-            <a:r>
-              <a:rPr lang="fr-FR" dirty="0" smtClean="0">
-                <a:latin typeface="Arial" pitchFamily="18"/>
-                <a:ea typeface="微软雅黑" pitchFamily="2"/>
-                <a:cs typeface="Lucida Sans" pitchFamily="2"/>
-              </a:rPr>
-              <a:t>doit </a:t>
-            </a:r>
-            <a:r>
-              <a:rPr lang="fr-FR" b="0" i="0" u="none" strike="noStrike" kern="1200" dirty="0" smtClean="0">
-                <a:ln>
-                  <a:noFill/>
-                </a:ln>
-                <a:latin typeface="Arial" pitchFamily="18"/>
-                <a:ea typeface="微软雅黑" pitchFamily="2"/>
-                <a:cs typeface="Lucida Sans" pitchFamily="2"/>
-              </a:rPr>
-              <a:t>avoir </a:t>
-            </a:r>
-            <a:r>
-              <a:rPr lang="fr-FR" b="0" i="0" u="none" strike="noStrike" kern="1200" dirty="0">
-                <a:ln>
-                  <a:noFill/>
-                </a:ln>
-                <a:latin typeface="Arial" pitchFamily="18"/>
-                <a:ea typeface="微软雅黑" pitchFamily="2"/>
-                <a:cs typeface="Lucida Sans" pitchFamily="2"/>
-              </a:rPr>
-              <a:t>une certaine masse par rapport </a:t>
-            </a:r>
-            <a:endParaRPr lang="fr-FR" b="0" i="0" u="none" strike="noStrike" kern="1200" dirty="0" smtClean="0">
-              <a:ln>
-                <a:noFill/>
-              </a:ln>
-              <a:latin typeface="Arial" pitchFamily="18"/>
-              <a:ea typeface="微软雅黑" pitchFamily="2"/>
-              <a:cs typeface="Lucida Sans" pitchFamily="2"/>
-            </a:endParaRPr>
-          </a:p>
-          <a:p>
-            <a:pPr marL="0" marR="0" lvl="0" indent="0" rtl="0" hangingPunct="0">
-              <a:lnSpc>
-                <a:spcPct val="100000"/>
-              </a:lnSpc>
-              <a:spcBef>
-                <a:spcPts val="0"/>
-              </a:spcBef>
-              <a:spcAft>
-                <a:spcPts val="0"/>
-              </a:spcAft>
-              <a:buNone/>
-              <a:tabLst/>
-            </a:pPr>
-            <a:r>
-              <a:rPr lang="fr-FR" b="0" i="0" u="none" strike="noStrike" kern="1200" dirty="0" smtClean="0">
-                <a:ln>
-                  <a:noFill/>
-                </a:ln>
-                <a:latin typeface="Arial" pitchFamily="18"/>
-                <a:ea typeface="微软雅黑" pitchFamily="2"/>
-                <a:cs typeface="Lucida Sans" pitchFamily="2"/>
-              </a:rPr>
-              <a:t>à </a:t>
-            </a:r>
-            <a:r>
-              <a:rPr lang="fr-FR" b="0" i="0" u="none" strike="noStrike" kern="1200" dirty="0">
-                <a:ln>
-                  <a:noFill/>
-                </a:ln>
-                <a:latin typeface="Arial" pitchFamily="18"/>
-                <a:ea typeface="微软雅黑" pitchFamily="2"/>
-                <a:cs typeface="Lucida Sans" pitchFamily="2"/>
-              </a:rPr>
-              <a:t>l’étoile </a:t>
-            </a:r>
-            <a:r>
-              <a:rPr lang="fr-FR" b="0" i="0" u="none" strike="noStrike" kern="1200" dirty="0" smtClean="0">
-                <a:ln>
-                  <a:noFill/>
-                </a:ln>
-                <a:latin typeface="Arial" pitchFamily="18"/>
-                <a:ea typeface="微软雅黑" pitchFamily="2"/>
-                <a:cs typeface="Lucida Sans" pitchFamily="2"/>
-              </a:rPr>
-              <a:t>,car si </a:t>
-            </a:r>
-            <a:r>
-              <a:rPr lang="fr-FR" b="0" i="0" u="none" strike="noStrike" kern="1200" dirty="0">
-                <a:ln>
-                  <a:noFill/>
-                </a:ln>
-                <a:latin typeface="Arial" pitchFamily="18"/>
-                <a:ea typeface="微软雅黑" pitchFamily="2"/>
-                <a:cs typeface="Lucida Sans" pitchFamily="2"/>
-              </a:rPr>
-              <a:t>la masse est trop faible </a:t>
-            </a:r>
-            <a:r>
-              <a:rPr lang="fr-FR" b="0" i="0" u="none" strike="noStrike" kern="1200" dirty="0" smtClean="0">
-                <a:ln>
-                  <a:noFill/>
-                </a:ln>
-                <a:latin typeface="Arial" pitchFamily="18"/>
-                <a:ea typeface="微软雅黑" pitchFamily="2"/>
-                <a:cs typeface="Lucida Sans" pitchFamily="2"/>
-              </a:rPr>
-              <a:t>alors les </a:t>
-            </a:r>
-            <a:r>
-              <a:rPr lang="fr-FR" b="0" i="0" u="none" strike="noStrike" kern="1200" dirty="0">
-                <a:ln>
-                  <a:noFill/>
-                </a:ln>
-                <a:latin typeface="Arial" pitchFamily="18"/>
-                <a:ea typeface="微软雅黑" pitchFamily="2"/>
-                <a:cs typeface="Lucida Sans" pitchFamily="2"/>
-              </a:rPr>
-              <a:t>oscillation provoquer sur l’étoile seront trop peu </a:t>
-            </a:r>
-            <a:endParaRPr lang="fr-FR" b="0" i="0" u="none" strike="noStrike" kern="1200" dirty="0" smtClean="0">
-              <a:ln>
-                <a:noFill/>
-              </a:ln>
-              <a:latin typeface="Arial" pitchFamily="18"/>
-              <a:ea typeface="微软雅黑" pitchFamily="2"/>
-              <a:cs typeface="Lucida Sans" pitchFamily="2"/>
-            </a:endParaRPr>
-          </a:p>
-          <a:p>
-            <a:pPr marL="0" marR="0" lvl="0" indent="0" rtl="0" hangingPunct="0">
-              <a:lnSpc>
-                <a:spcPct val="100000"/>
-              </a:lnSpc>
-              <a:spcBef>
-                <a:spcPts val="0"/>
-              </a:spcBef>
-              <a:spcAft>
-                <a:spcPts val="0"/>
-              </a:spcAft>
-              <a:buNone/>
-              <a:tabLst/>
-            </a:pPr>
-            <a:r>
-              <a:rPr lang="fr-FR" b="0" i="0" u="none" strike="noStrike" kern="1200" dirty="0" smtClean="0">
-                <a:ln>
-                  <a:noFill/>
-                </a:ln>
-                <a:latin typeface="Arial" pitchFamily="18"/>
-                <a:ea typeface="微软雅黑" pitchFamily="2"/>
-                <a:cs typeface="Lucida Sans" pitchFamily="2"/>
-              </a:rPr>
-              <a:t>importantes </a:t>
-            </a:r>
-            <a:r>
-              <a:rPr lang="fr-FR" b="0" i="0" u="none" strike="noStrike" kern="1200" dirty="0">
-                <a:ln>
-                  <a:noFill/>
-                </a:ln>
-                <a:latin typeface="Arial" pitchFamily="18"/>
-                <a:ea typeface="微软雅黑" pitchFamily="2"/>
-                <a:cs typeface="Lucida Sans" pitchFamily="2"/>
-              </a:rPr>
-              <a:t>pour être détecté , c’est aussi le cas si la planète est trop loin de son étoile.</a:t>
-            </a:r>
           </a:p>
         </p:txBody>
       </p:sp>
@@ -8547,18 +8417,7 @@
                 <a:ea typeface="微软雅黑" pitchFamily="2"/>
                 <a:cs typeface="Lucida Sans" pitchFamily="2"/>
               </a:rPr>
-              <a:t>peut </a:t>
-            </a:r>
-            <a:r>
-              <a:rPr lang="fr-FR" b="0" i="0" u="none" strike="noStrike" kern="1200" dirty="0" smtClean="0">
-                <a:ln>
-                  <a:noFill/>
-                </a:ln>
-                <a:latin typeface="Arial" pitchFamily="18"/>
-                <a:ea typeface="微软雅黑" pitchFamily="2"/>
-                <a:cs typeface="Lucida Sans" pitchFamily="2"/>
-              </a:rPr>
-              <a:t>émettre </a:t>
+              <a:t>peut émettre </a:t>
             </a:r>
             <a:r>
               <a:rPr lang="fr-FR" dirty="0" smtClean="0">
@@ -8590,6 +8449,39 @@
               </a:rPr>
               <a:t>qu’une planète est en orbite autour de cette étoile.</a:t>
             </a:r>
+          </a:p>
+        </p:txBody>
+      </p:sp>
+      <p:sp>
+        <p:nvSpPr>
+          <p:cNvPr id="3" name="Rectangle 2"/>
+          <p:cNvSpPr/>
+          <p:nvPr/>
+        </p:nvSpPr>
+        <p:spPr>
+          <a:xfrm>
+            <a:off x="3816176" y="1331565"/>
+            <a:ext cx="2116477" cy="369332"/>
+          </a:xfrm>
+          <a:prstGeom prst="rect">
+            <a:avLst/>
+          </a:prstGeom>
+        </p:spPr>
+        <p:txBody>
+          <a:bodyPr wrap="none">
+            <a:spAutoFit/>
+          </a:bodyPr>
+          <a:lstStyle/>
+          <a:p>
+            <a:r>
+              <a:rPr lang="fr-FR" dirty="0"/>
+              <a:t>Lire pour le diapo </a:t>
+            </a:r>
+            <a:r>
+              <a:rPr lang="fr-FR" dirty="0" smtClean="0"/>
+              <a:t>17</a:t>
+            </a:r>
+            <a:endParaRPr lang="fr-FR" dirty="0"/>
           </a:p>
         </p:txBody>
       </p:sp>
@@ -8766,7 +8658,14 @@
             </a:lvl9pPr>
           </a:lstStyle>
           <a:p>
-            <a:endParaRPr lang="fr-FR"/>
+            <a:pPr>
+              <a:buNone/>
+            </a:pPr>
+            <a:r>
+              <a:rPr lang="fr-FR" dirty="0" smtClean="0"/>
+              <a:t>Lire pour le diapo 1</a:t>
+            </a:r>
+            <a:endParaRPr lang="fr-FR" dirty="0"/>
           </a:p>
         </p:txBody>
       </p:sp>
@@ -8994,7 +8893,6 @@
               <a:rPr lang="fr-FR" sz="1800" dirty="0" smtClean="0"/>
               <a:t> .</a:t>
             </a:r>
-            <a:endParaRPr lang="fr-FR" sz="1800" dirty="0" smtClean="0"/>
           </a:p>
           <a:p>
             <a:pPr lvl="0"/>
@@ -9004,7 +8902,50 @@
             </a:r>
             <a:r>
               <a:rPr lang="fr-FR" sz="1800" dirty="0" err="1" smtClean="0"/>
-              <a:t>abords,on</a:t>
+              <a:t>abords,il</a:t>
+            </a:r>
+            <a:r>
+              <a:rPr lang="fr-FR" sz="1800" dirty="0" smtClean="0"/>
+              <a:t> faut savoir que l'observation </a:t>
+            </a:r>
+            <a:r>
+              <a:rPr lang="fr-FR" sz="1800" dirty="0"/>
+              <a:t>directe d'une </a:t>
+            </a:r>
+            <a:r>
+              <a:rPr lang="fr-FR" sz="1800" dirty="0" err="1"/>
+              <a:t>exoplanète</a:t>
+            </a:r>
+            <a:r>
+              <a:rPr lang="fr-FR" sz="1800" dirty="0"/>
+              <a:t> est très difficile car la lumière en provenance de son étoile éblouit la caméra du télescope et empêche très souvent de voir la </a:t>
+            </a:r>
+            <a:r>
+              <a:rPr lang="fr-FR" sz="1800" dirty="0" err="1"/>
+              <a:t>planète.De</a:t>
+            </a:r>
+            <a:r>
+              <a:rPr lang="fr-FR" sz="1800" dirty="0"/>
+              <a:t> </a:t>
+            </a:r>
+            <a:r>
+              <a:rPr lang="fr-FR" sz="1800" dirty="0" err="1"/>
+              <a:t>plus,à</a:t>
+            </a:r>
+            <a:r>
+              <a:rPr lang="fr-FR" sz="1800" dirty="0"/>
+              <a:t> cause leur éloignement , la plupart des étoiles sont réduites à un point </a:t>
+            </a:r>
+            <a:r>
+              <a:rPr lang="fr-FR" sz="1800" dirty="0" smtClean="0"/>
+              <a:t>lumineux.</a:t>
+            </a:r>
+          </a:p>
+          <a:p>
+            <a:pPr lvl="0"/>
+            <a:r>
+              <a:rPr lang="fr-FR" sz="1800" dirty="0" err="1" smtClean="0"/>
+              <a:t>Mais,il</a:t>
             </a:r>
             <a:r>
               <a:rPr lang="fr-FR" sz="1800" dirty="0" smtClean="0"/>
@@ -9012,35 +8953,11 @@
             </a:r>
             <a:r>
               <a:rPr lang="fr-FR" sz="1800" dirty="0"/>
-              <a:t>sait que l'observation directe d'une </a:t>
-            </a:r>
-            <a:r>
-              <a:rPr lang="fr-FR" sz="1800" dirty="0" err="1"/>
-              <a:t>exoplanète</a:t>
-            </a:r>
-            <a:r>
-              <a:rPr lang="fr-FR" sz="1800" dirty="0"/>
-              <a:t> est très difficile car la lumière en provenance de son étoile éblouit la caméra du télescope et empêche très souvent de voir la </a:t>
-            </a:r>
-            <a:r>
-              <a:rPr lang="fr-FR" sz="1800" dirty="0" err="1"/>
-              <a:t>planète.De</a:t>
-            </a:r>
-            <a:r>
-              <a:rPr lang="fr-FR" sz="1800" dirty="0"/>
-              <a:t> </a:t>
-            </a:r>
-            <a:r>
-              <a:rPr lang="fr-FR" sz="1800" dirty="0" err="1"/>
-              <a:t>plus,à</a:t>
-            </a:r>
-            <a:r>
-              <a:rPr lang="fr-FR" sz="1800" dirty="0"/>
-              <a:t> cause leur éloignement , la plupart des étoiles sont réduites à un point lumineux, même </a:t>
-            </a:r>
-            <a:r>
-              <a:rPr lang="fr-FR" sz="1800" dirty="0" smtClean="0"/>
-              <a:t>si on utilise</a:t>
+              <a:t>est possible de voir les effets de la révolution d'une planète autour de son étoile car pendant que la planète fait le tour de son </a:t>
+            </a:r>
+            <a:r>
+              <a:rPr lang="fr-FR" sz="1800" dirty="0" err="1" smtClean="0"/>
+              <a:t>étoile,cela</a:t>
             </a:r>
             <a:r>
               <a:rPr lang="fr-FR" sz="1800" dirty="0" smtClean="0"/>
@@ -9048,46 +8965,15 @@
             </a:r>
             <a:r>
               <a:rPr lang="fr-FR" sz="1800" dirty="0"/>
-              <a:t>un télescope </a:t>
+              <a:t>induit un léger déplacement de l'étoile car elle </a:t>
             </a:r>
             <a:r>
               <a:rPr lang="fr-FR" sz="1800" dirty="0" smtClean="0"/>
-              <a:t>puissant .</a:t>
-            </a:r>
-          </a:p>
-          <a:p>
-            <a:pPr lvl="0"/>
-            <a:r>
-              <a:rPr lang="fr-FR" sz="1800" dirty="0" err="1" smtClean="0"/>
-              <a:t>Mais</a:t>
-            </a:r>
-            <a:r>
-              <a:rPr lang="fr-FR" sz="1800" dirty="0" err="1" smtClean="0"/>
-              <a:t>,il</a:t>
+              <a:t>tourne </a:t>
             </a:r>
             <a:r>
               <a:rPr lang="fr-FR" sz="1800" dirty="0" smtClean="0"/>
-              <a:t> </a:t>
-            </a:r>
-            <a:r>
-              <a:rPr lang="fr-FR" sz="1800" dirty="0"/>
-              <a:t>est possible de voir les effets de la révolution d'une planète autour de son étoile car pendant que la planète fait le tour de son </a:t>
-            </a:r>
-            <a:r>
-              <a:rPr lang="fr-FR" sz="1800" dirty="0" err="1" smtClean="0"/>
-              <a:t>étoile,cela</a:t>
-            </a:r>
-            <a:r>
-              <a:rPr lang="fr-FR" sz="1800" dirty="0" smtClean="0"/>
-              <a:t> </a:t>
-            </a:r>
-            <a:r>
-              <a:rPr lang="fr-FR" sz="1800" dirty="0"/>
-              <a:t>induit un léger déplacement de l'étoile car elle tourne </a:t>
-            </a:r>
-            <a:r>
-              <a:rPr lang="fr-FR" sz="1800" dirty="0" smtClean="0"/>
-              <a:t>aussi autour </a:t>
+              <a:t>autour </a:t>
             </a:r>
             <a:r>
               <a:rPr lang="fr-FR" sz="1800" dirty="0"/>
@@ -9226,7 +9112,15 @@
             </a:lvl9pPr>
           </a:lstStyle>
           <a:p>
-            <a:endParaRPr lang="fr-FR"/>
+            <a:r>
+              <a:rPr lang="fr-FR" dirty="0"/>
+              <a:t>Lire pour le diapo </a:t>
+            </a:r>
+            <a:r>
+              <a:rPr lang="fr-FR" dirty="0" smtClean="0"/>
+              <a:t>19</a:t>
+            </a:r>
+            <a:endParaRPr lang="fr-FR" dirty="0"/>
           </a:p>
         </p:txBody>
       </p:sp>
@@ -10173,6 +10067,39 @@
           </a:p>
         </p:txBody>
       </p:sp>
+      <p:sp>
+        <p:nvSpPr>
+          <p:cNvPr id="3" name="Rectangle 2"/>
+          <p:cNvSpPr/>
+          <p:nvPr/>
+        </p:nvSpPr>
+        <p:spPr>
+          <a:xfrm>
+            <a:off x="4057415" y="1763613"/>
+            <a:ext cx="2116477" cy="369332"/>
+          </a:xfrm>
+          <a:prstGeom prst="rect">
+            <a:avLst/>
+          </a:prstGeom>
+        </p:spPr>
+        <p:txBody>
+          <a:bodyPr wrap="none">
+            <a:spAutoFit/>
+          </a:bodyPr>
+          <a:lstStyle/>
+          <a:p>
+            <a:r>
+              <a:rPr lang="fr-FR" dirty="0"/>
+              <a:t>Lire pour le diapo </a:t>
+            </a:r>
+            <a:r>
+              <a:rPr lang="fr-FR" dirty="0" smtClean="0"/>
+              <a:t>21</a:t>
+            </a:r>
+            <a:endParaRPr lang="fr-FR" dirty="0"/>
+          </a:p>
+        </p:txBody>
+      </p:sp>
     </p:spTree>
   </p:cSld>
   <p:clrMapOvr>
@@ -10807,6 +10734,39 @@
               </a:rPr>
               <a:t>la planète pour qu’elle passe devant l’étoile.</a:t>
             </a:r>
+          </a:p>
+        </p:txBody>
+      </p:sp>
+      <p:sp>
+        <p:nvSpPr>
+          <p:cNvPr id="3" name="Rectangle 2"/>
+          <p:cNvSpPr/>
+          <p:nvPr/>
+        </p:nvSpPr>
+        <p:spPr>
+          <a:xfrm>
+            <a:off x="3744168" y="1547589"/>
+            <a:ext cx="2116477" cy="369332"/>
+          </a:xfrm>
+          <a:prstGeom prst="rect">
+            <a:avLst/>
+          </a:prstGeom>
+        </p:spPr>
+        <p:txBody>
+          <a:bodyPr wrap="none">
+            <a:spAutoFit/>
+          </a:bodyPr>
+          <a:lstStyle/>
+          <a:p>
+            <a:r>
+              <a:rPr lang="fr-FR" dirty="0"/>
+              <a:t>Lire pour le diapo </a:t>
+            </a:r>
+            <a:r>
+              <a:rPr lang="fr-FR" dirty="0" smtClean="0"/>
+              <a:t>23</a:t>
+            </a:r>
+            <a:endParaRPr lang="fr-FR" dirty="0"/>
           </a:p>
         </p:txBody>
       </p:sp>
@@ -10978,7 +10938,11 @@
             </a:lvl9pPr>
           </a:lstStyle>
           <a:p>
-            <a:endParaRPr lang="fr-FR"/>
+            <a:r>
+              <a:rPr lang="fr-FR" dirty="0"/>
+              <a:t>Lire pour le diapo 3</a:t>
+            </a:r>
+            <a:endParaRPr lang="fr-FR" dirty="0"/>
           </a:p>
         </p:txBody>
       </p:sp>
@@ -11102,11 +11066,15 @@
             </a:r>
             <a:r>
               <a:rPr lang="fr-FR" sz="2000" dirty="0"/>
-              <a:t> observées directement par les télescopes spatiales sont énormes(masse supérieur à celle de Jupiter</a:t>
+              <a:t> observées directement par les télescopes spatiales sont </a:t>
+            </a:r>
+            <a:r>
+              <a:rPr lang="fr-FR" sz="2000" dirty="0" err="1" smtClean="0"/>
+              <a:t>énormes,éloignées</a:t>
             </a:r>
             <a:r>
               <a:rPr lang="fr-FR" sz="2000" dirty="0" smtClean="0"/>
-              <a:t>),éloignées </a:t>
+              <a:t> </a:t>
             </a:r>
             <a:r>
               <a:rPr lang="fr-FR" sz="2000" dirty="0"/>
@@ -11402,7 +11370,15 @@
             </a:lvl9pPr>
           </a:lstStyle>
           <a:p>
-            <a:endParaRPr lang="fr-FR"/>
+            <a:r>
+              <a:rPr lang="fr-FR" dirty="0"/>
+              <a:t>Lire pour le diapo </a:t>
+            </a:r>
+            <a:r>
+              <a:rPr lang="fr-FR" dirty="0" smtClean="0"/>
+              <a:t>5</a:t>
+            </a:r>
+            <a:endParaRPr lang="fr-FR" dirty="0"/>
           </a:p>
         </p:txBody>
       </p:sp>
@@ -12106,7 +12082,7 @@
         </p:nvSpPr>
         <p:spPr>
           <a:xfrm>
-            <a:off x="56520" y="607045"/>
+            <a:off x="0" y="1226185"/>
             <a:ext cx="10167480" cy="3780360"/>
           </a:xfrm>
           <a:prstGeom prst="rect">
@@ -12175,7 +12151,31 @@
                 <a:ea typeface="微软雅黑" pitchFamily="2"/>
                 <a:cs typeface="Lucida Sans" pitchFamily="2"/>
               </a:rPr>
-              <a:t>Ainsi , on peut déterminer facilement la vitesse radiale.</a:t>
+              <a:t>Ainsi , on peut déterminer </a:t>
+            </a:r>
+            <a:r>
+              <a:rPr lang="fr-FR" dirty="0" smtClean="0">
+                <a:latin typeface="Arial" pitchFamily="18"/>
+                <a:ea typeface="微软雅黑" pitchFamily="2"/>
+                <a:cs typeface="Lucida Sans" pitchFamily="2"/>
+              </a:rPr>
+              <a:t>facilement</a:t>
+            </a:r>
+            <a:r>
+              <a:rPr lang="fr-FR" dirty="0" smtClean="0">
+                <a:latin typeface="Arial" pitchFamily="18"/>
+                <a:ea typeface="微软雅黑" pitchFamily="2"/>
+                <a:cs typeface="Lucida Sans" pitchFamily="2"/>
+              </a:rPr>
+              <a:t> </a:t>
+            </a:r>
+            <a:r>
+              <a:rPr lang="fr-FR" dirty="0">
+                <a:latin typeface="Arial" pitchFamily="18"/>
+                <a:ea typeface="微软雅黑" pitchFamily="2"/>
+                <a:cs typeface="Lucida Sans" pitchFamily="2"/>
+              </a:rPr>
+              <a:t>la vitesse radiale.</a:t>
             </a:r>
           </a:p>
           <a:p>
@@ -12235,6 +12235,39 @@
               </a:rPr>
               <a:t>λ/λ.</a:t>
             </a:r>
+          </a:p>
+        </p:txBody>
+      </p:sp>
+      <p:sp>
+        <p:nvSpPr>
+          <p:cNvPr id="4" name="Rectangle 3"/>
+          <p:cNvSpPr/>
+          <p:nvPr/>
+        </p:nvSpPr>
+        <p:spPr>
+          <a:xfrm>
+            <a:off x="3312120" y="611485"/>
+            <a:ext cx="1999458" cy="369332"/>
+          </a:xfrm>
+          <a:prstGeom prst="rect">
+            <a:avLst/>
+          </a:prstGeom>
+        </p:spPr>
+        <p:txBody>
+          <a:bodyPr wrap="none">
+            <a:spAutoFit/>
+          </a:bodyPr>
+          <a:lstStyle/>
+          <a:p>
+            <a:r>
+              <a:rPr lang="fr-FR" dirty="0"/>
+              <a:t>Lire pour le diapo </a:t>
+            </a:r>
+            <a:r>
+              <a:rPr lang="fr-FR" dirty="0" smtClean="0"/>
+              <a:t>7</a:t>
+            </a:r>
+            <a:endParaRPr lang="fr-FR" dirty="0"/>
           </a:p>
         </p:txBody>
       </p:sp>
